--- a/Introduction to DCAF.pptx
+++ b/Introduction to DCAF.pptx
@@ -7,7 +7,7 @@
     <p:sldMasterId id="2147483674" r:id="rId3"/>
   </p:sldMasterIdLst>
   <p:notesMasterIdLst>
-    <p:notesMasterId r:id="rId30"/>
+    <p:notesMasterId r:id="rId31"/>
   </p:notesMasterIdLst>
   <p:sldIdLst>
     <p:sldId id="256" r:id="rId4"/>
@@ -24,23 +24,24 @@
     <p:sldId id="268" r:id="rId15"/>
     <p:sldId id="269" r:id="rId16"/>
     <p:sldId id="270" r:id="rId17"/>
-    <p:sldId id="279" r:id="rId18"/>
-    <p:sldId id="267" r:id="rId19"/>
-    <p:sldId id="282" r:id="rId20"/>
-    <p:sldId id="259" r:id="rId21"/>
-    <p:sldId id="280" r:id="rId22"/>
-    <p:sldId id="281" r:id="rId23"/>
-    <p:sldId id="261" r:id="rId24"/>
-    <p:sldId id="286" r:id="rId25"/>
-    <p:sldId id="263" r:id="rId26"/>
-    <p:sldId id="283" r:id="rId27"/>
-    <p:sldId id="284" r:id="rId28"/>
-    <p:sldId id="275" r:id="rId29"/>
+    <p:sldId id="289" r:id="rId18"/>
+    <p:sldId id="279" r:id="rId19"/>
+    <p:sldId id="267" r:id="rId20"/>
+    <p:sldId id="282" r:id="rId21"/>
+    <p:sldId id="259" r:id="rId22"/>
+    <p:sldId id="280" r:id="rId23"/>
+    <p:sldId id="281" r:id="rId24"/>
+    <p:sldId id="261" r:id="rId25"/>
+    <p:sldId id="286" r:id="rId26"/>
+    <p:sldId id="263" r:id="rId27"/>
+    <p:sldId id="283" r:id="rId28"/>
+    <p:sldId id="284" r:id="rId29"/>
+    <p:sldId id="275" r:id="rId30"/>
   </p:sldIdLst>
   <p:sldSz cx="12192000" cy="6858000"/>
   <p:notesSz cx="6858000" cy="9144000"/>
   <p:custDataLst>
-    <p:tags r:id="rId31"/>
+    <p:tags r:id="rId32"/>
   </p:custDataLst>
   <p:defaultTextStyle>
     <a:defPPr>
@@ -239,7 +240,7 @@
           <a:p>
             <a:fld id="{2702B9DD-DB9B-4D34-8F42-6872D5B3F8C0}" type="datetimeFigureOut">
               <a:rPr lang="en-US" smtClean="0"/>
-              <a:t>5/11/2016</a:t>
+              <a:t>6/21/2016</a:t>
             </a:fld>
             <a:endParaRPr lang="en-US"/>
           </a:p>
@@ -714,7 +715,7 @@
             <a:fld id="{3E1821DF-9150-44D1-AB64-81D9B47B2E05}" type="slidenum">
               <a:rPr lang="en-US" smtClean="0"/>
               <a:pPr/>
-              <a:t>16</a:t>
+              <a:t>17</a:t>
             </a:fld>
             <a:endParaRPr lang="en-US"/>
           </a:p>
@@ -8564,7 +8565,7 @@
             <a:pPr algn="ctr"/>
             <a:r>
               <a:rPr lang="en-US" dirty="0" smtClean="0"/>
-              <a:t>Input Module</a:t>
+              <a:t>Input</a:t>
             </a:r>
             <a:endParaRPr lang="en-US" dirty="0"/>
           </a:p>
@@ -8621,7 +8622,7 @@
             <a:pPr algn="ctr"/>
             <a:r>
               <a:rPr lang="en-US" dirty="0" smtClean="0"/>
-              <a:t>Process Module</a:t>
+              <a:t>Process</a:t>
             </a:r>
             <a:endParaRPr lang="en-US" dirty="0"/>
           </a:p>
@@ -8678,7 +8679,7 @@
             <a:pPr algn="ctr"/>
             <a:r>
               <a:rPr lang="en-US" dirty="0" smtClean="0"/>
-              <a:t>Output Module</a:t>
+              <a:t>Output</a:t>
             </a:r>
           </a:p>
         </p:txBody>
@@ -8750,7 +8751,7 @@
         </p:nvSpPr>
         <p:spPr>
           <a:xfrm>
-            <a:off x="3305263" y="2848205"/>
+            <a:off x="3243977" y="2862667"/>
             <a:ext cx="251671" cy="680885"/>
           </a:xfrm>
           <a:prstGeom prst="upArrow">
@@ -8846,16 +8847,67 @@
       </p:sp>
       <p:sp>
         <p:nvSpPr>
-          <p:cNvPr id="16" name="Up-Down Arrow 15"/>
+          <p:cNvPr id="10" name="Up Arrow 9"/>
           <p:cNvSpPr/>
           <p:nvPr/>
         </p:nvSpPr>
         <p:spPr>
-          <a:xfrm>
-            <a:off x="5386243" y="2848205"/>
-            <a:ext cx="246195" cy="673653"/>
-          </a:xfrm>
-          <a:prstGeom prst="upDownArrow">
+          <a:xfrm rot="10800000">
+            <a:off x="4876915" y="2862667"/>
+            <a:ext cx="251671" cy="680885"/>
+          </a:xfrm>
+          <a:prstGeom prst="upArrow">
+            <a:avLst/>
+          </a:prstGeom>
+          <a:solidFill>
+            <a:schemeClr val="accent1"/>
+          </a:solidFill>
+          <a:ln>
+            <a:noFill/>
+          </a:ln>
+          <a:effectLst>
+            <a:outerShdw blurRad="50800" dist="38100" dir="2700000" algn="tl" rotWithShape="0">
+              <a:prstClr val="black">
+                <a:alpha val="40000"/>
+              </a:prstClr>
+            </a:outerShdw>
+          </a:effectLst>
+        </p:spPr>
+        <p:style>
+          <a:lnRef idx="1">
+            <a:schemeClr val="accent1"/>
+          </a:lnRef>
+          <a:fillRef idx="3">
+            <a:schemeClr val="accent1"/>
+          </a:fillRef>
+          <a:effectRef idx="2">
+            <a:schemeClr val="accent1"/>
+          </a:effectRef>
+          <a:fontRef idx="minor">
+            <a:schemeClr val="lt1"/>
+          </a:fontRef>
+        </p:style>
+        <p:txBody>
+          <a:bodyPr rtlCol="0" anchor="ctr"/>
+          <a:lstStyle/>
+          <a:p>
+            <a:pPr algn="ctr"/>
+            <a:endParaRPr lang="en-US"/>
+          </a:p>
+        </p:txBody>
+      </p:sp>
+      <p:sp>
+        <p:nvSpPr>
+          <p:cNvPr id="11" name="Up Arrow 10"/>
+          <p:cNvSpPr/>
+          <p:nvPr/>
+        </p:nvSpPr>
+        <p:spPr>
+          <a:xfrm>
+            <a:off x="5764259" y="2840974"/>
+            <a:ext cx="251671" cy="680885"/>
+          </a:xfrm>
+          <a:prstGeom prst="upArrow">
             <a:avLst/>
           </a:prstGeom>
           <a:solidFill>
@@ -8934,145 +8986,90 @@
       </p:grpSpPr>
       <p:sp>
         <p:nvSpPr>
-          <p:cNvPr id="11" name="Content Placeholder 10"/>
+          <p:cNvPr id="22" name="Rounded Rectangle 21"/>
+          <p:cNvSpPr/>
+          <p:nvPr/>
+        </p:nvSpPr>
+        <p:spPr>
+          <a:xfrm>
+            <a:off x="1828800" y="3037115"/>
+            <a:ext cx="7162800" cy="3287486"/>
+          </a:xfrm>
+          <a:prstGeom prst="roundRect">
+            <a:avLst/>
+          </a:prstGeom>
+          <a:solidFill>
+            <a:schemeClr val="bg1"/>
+          </a:solidFill>
+          <a:ln>
+            <a:solidFill>
+              <a:schemeClr val="tx1"/>
+            </a:solidFill>
+          </a:ln>
+          <a:effectLst>
+            <a:outerShdw blurRad="50800" dist="38100" dir="2700000" algn="tl" rotWithShape="0">
+              <a:prstClr val="black">
+                <a:alpha val="40000"/>
+              </a:prstClr>
+            </a:outerShdw>
+          </a:effectLst>
+        </p:spPr>
+        <p:style>
+          <a:lnRef idx="1">
+            <a:schemeClr val="accent1"/>
+          </a:lnRef>
+          <a:fillRef idx="3">
+            <a:schemeClr val="accent1"/>
+          </a:fillRef>
+          <a:effectRef idx="2">
+            <a:schemeClr val="accent1"/>
+          </a:effectRef>
+          <a:fontRef idx="minor">
+            <a:schemeClr val="lt1"/>
+          </a:fontRef>
+        </p:style>
+        <p:txBody>
+          <a:bodyPr rtlCol="0" anchor="ctr"/>
+          <a:lstStyle/>
+          <a:p>
+            <a:pPr algn="ctr"/>
+            <a:endParaRPr lang="en-US"/>
+          </a:p>
+        </p:txBody>
+      </p:sp>
+      <p:sp>
+        <p:nvSpPr>
+          <p:cNvPr id="2" name="Title 1"/>
           <p:cNvSpPr>
             <a:spLocks noGrp="1"/>
           </p:cNvSpPr>
           <p:nvPr>
-            <p:ph sz="half" idx="1"/>
+            <p:ph type="title"/>
           </p:nvPr>
         </p:nvSpPr>
-        <p:spPr>
-          <a:xfrm>
-            <a:off x="623880" y="334537"/>
-            <a:ext cx="5667155" cy="5732624"/>
-          </a:xfrm>
-        </p:spPr>
-        <p:txBody>
-          <a:bodyPr>
-            <a:normAutofit/>
-          </a:bodyPr>
+        <p:spPr/>
+        <p:txBody>
+          <a:bodyPr/>
           <a:lstStyle/>
           <a:p>
-            <a:pPr marL="0" indent="0">
-              <a:buNone/>
-            </a:pPr>
-            <a:r>
-              <a:rPr lang="en-US" sz="3200" spc="-100" dirty="0" smtClean="0">
-                <a:solidFill>
-                  <a:schemeClr val="accent1"/>
-                </a:solidFill>
-                <a:ea typeface="+mj-ea"/>
-              </a:rPr>
-              <a:t>Tags</a:t>
-            </a:r>
-            <a:endParaRPr lang="en-US" sz="3200" spc="-100" dirty="0">
-              <a:solidFill>
-                <a:schemeClr val="accent1"/>
-              </a:solidFill>
-              <a:ea typeface="+mj-ea"/>
-            </a:endParaRPr>
-          </a:p>
-          <a:p>
-            <a:r>
-              <a:rPr lang="en-US" dirty="0" smtClean="0"/>
-              <a:t>Engine Scope</a:t>
-            </a:r>
-          </a:p>
-          <a:p>
-            <a:r>
-              <a:rPr lang="en-US" dirty="0" smtClean="0"/>
-              <a:t>Have Data Type</a:t>
-            </a:r>
-          </a:p>
-          <a:p>
-            <a:r>
-              <a:rPr lang="en-US" dirty="0" smtClean="0"/>
-              <a:t>Unique Name</a:t>
-            </a:r>
-          </a:p>
-          <a:p>
-            <a:r>
-              <a:rPr lang="en-US" dirty="0" smtClean="0"/>
-              <a:t>Only one writer </a:t>
-            </a:r>
-          </a:p>
-          <a:p>
-            <a:r>
-              <a:rPr lang="en-US" dirty="0" smtClean="0"/>
-              <a:t>Multiple readers</a:t>
-            </a:r>
-          </a:p>
-          <a:p>
+            <a:r>
+              <a:rPr lang="en-US" dirty="0" smtClean="0"/>
+              <a:t>Engine</a:t>
+            </a:r>
             <a:endParaRPr lang="en-US" dirty="0"/>
           </a:p>
-          <a:p>
-            <a:pPr marL="0" indent="0">
-              <a:buNone/>
-            </a:pPr>
-            <a:r>
-              <a:rPr lang="en-US" sz="3200" spc="-100" dirty="0">
-                <a:solidFill>
-                  <a:schemeClr val="accent1"/>
-                </a:solidFill>
-              </a:rPr>
-              <a:t>Channels</a:t>
-            </a:r>
-          </a:p>
-          <a:p>
-            <a:r>
-              <a:rPr lang="en-US" dirty="0"/>
-              <a:t>Module </a:t>
-            </a:r>
-            <a:r>
-              <a:rPr lang="en-US" dirty="0" smtClean="0"/>
-              <a:t>Scope</a:t>
-            </a:r>
-          </a:p>
-          <a:p>
-            <a:r>
-              <a:rPr lang="en-US" dirty="0"/>
-              <a:t>Have Data Type</a:t>
-            </a:r>
-          </a:p>
-          <a:p>
-            <a:r>
-              <a:rPr lang="en-US" dirty="0"/>
-              <a:t>Unique </a:t>
-            </a:r>
-            <a:r>
-              <a:rPr lang="en-US" dirty="0" smtClean="0"/>
-              <a:t>Name</a:t>
-            </a:r>
-          </a:p>
-          <a:p>
-            <a:r>
-              <a:rPr lang="en-US" dirty="0" smtClean="0"/>
-              <a:t>Have Flow Direction</a:t>
-            </a:r>
-            <a:endParaRPr lang="en-US" dirty="0"/>
-          </a:p>
-          <a:p>
-            <a:pPr marL="0" indent="0">
-              <a:buNone/>
-            </a:pPr>
-            <a:endParaRPr lang="en-US" dirty="0"/>
-          </a:p>
-          <a:p>
-            <a:endParaRPr lang="en-US" dirty="0"/>
-          </a:p>
-        </p:txBody>
-      </p:sp>
-      <p:sp>
-        <p:nvSpPr>
-          <p:cNvPr id="5" name="Rounded Rectangle 4"/>
+        </p:txBody>
+      </p:sp>
+      <p:sp>
+        <p:nvSpPr>
+          <p:cNvPr id="4" name="Rounded Rectangle 3"/>
           <p:cNvSpPr/>
           <p:nvPr/>
         </p:nvSpPr>
         <p:spPr>
           <a:xfrm>
-            <a:off x="6657969" y="1140955"/>
-            <a:ext cx="4259075" cy="1705956"/>
+            <a:off x="2516699" y="3543553"/>
+            <a:ext cx="1353312" cy="771787"/>
           </a:xfrm>
           <a:prstGeom prst="roundRect">
             <a:avLst/>
@@ -9113,18 +9110,67 @@
           <a:p>
             <a:pPr algn="ctr"/>
             <a:r>
-              <a:rPr lang="en-US" sz="2000" dirty="0" smtClean="0">
-                <a:solidFill>
-                  <a:schemeClr val="bg1"/>
-                </a:solidFill>
-              </a:rPr>
-              <a:t>Input Module</a:t>
-            </a:r>
-            <a:endParaRPr lang="en-US" sz="2000" dirty="0">
-              <a:solidFill>
-                <a:schemeClr val="bg1"/>
-              </a:solidFill>
-            </a:endParaRPr>
+              <a:rPr lang="en-US" dirty="0" smtClean="0"/>
+              <a:t>Input</a:t>
+            </a:r>
+            <a:endParaRPr lang="en-US" dirty="0"/>
+          </a:p>
+        </p:txBody>
+      </p:sp>
+      <p:sp>
+        <p:nvSpPr>
+          <p:cNvPr id="5" name="Rounded Rectangle 4"/>
+          <p:cNvSpPr/>
+          <p:nvPr/>
+        </p:nvSpPr>
+        <p:spPr>
+          <a:xfrm>
+            <a:off x="4626528" y="3543552"/>
+            <a:ext cx="1353312" cy="771787"/>
+          </a:xfrm>
+          <a:prstGeom prst="roundRect">
+            <a:avLst/>
+          </a:prstGeom>
+          <a:solidFill>
+            <a:schemeClr val="tx2"/>
+          </a:solidFill>
+          <a:ln w="28575">
+            <a:solidFill>
+              <a:schemeClr val="tx1"/>
+            </a:solidFill>
+          </a:ln>
+          <a:effectLst>
+            <a:outerShdw blurRad="50800" dist="38100" dir="2700000" algn="tl" rotWithShape="0">
+              <a:prstClr val="black">
+                <a:alpha val="40000"/>
+              </a:prstClr>
+            </a:outerShdw>
+          </a:effectLst>
+        </p:spPr>
+        <p:style>
+          <a:lnRef idx="1">
+            <a:schemeClr val="accent1"/>
+          </a:lnRef>
+          <a:fillRef idx="3">
+            <a:schemeClr val="accent1"/>
+          </a:fillRef>
+          <a:effectRef idx="2">
+            <a:schemeClr val="accent1"/>
+          </a:effectRef>
+          <a:fontRef idx="minor">
+            <a:schemeClr val="lt1"/>
+          </a:fontRef>
+        </p:style>
+        <p:txBody>
+          <a:bodyPr rtlCol="0" anchor="ctr"/>
+          <a:lstStyle/>
+          <a:p>
+            <a:pPr algn="ctr"/>
+            <a:r>
+              <a:rPr lang="en-US" dirty="0" smtClean="0"/>
+              <a:t>Process</a:t>
+            </a:r>
+            <a:endParaRPr lang="en-US" dirty="0"/>
           </a:p>
         </p:txBody>
       </p:sp>
@@ -9136,8 +9182,64 @@
         </p:nvSpPr>
         <p:spPr>
           <a:xfrm>
-            <a:off x="6657969" y="4064674"/>
-            <a:ext cx="4259075" cy="1821550"/>
+            <a:off x="7077210" y="3543552"/>
+            <a:ext cx="1353312" cy="771787"/>
+          </a:xfrm>
+          <a:prstGeom prst="roundRect">
+            <a:avLst/>
+          </a:prstGeom>
+          <a:solidFill>
+            <a:schemeClr val="tx2"/>
+          </a:solidFill>
+          <a:ln w="28575">
+            <a:solidFill>
+              <a:schemeClr val="tx1"/>
+            </a:solidFill>
+          </a:ln>
+          <a:effectLst>
+            <a:outerShdw blurRad="50800" dist="38100" dir="2700000" algn="tl" rotWithShape="0">
+              <a:prstClr val="black">
+                <a:alpha val="40000"/>
+              </a:prstClr>
+            </a:outerShdw>
+          </a:effectLst>
+        </p:spPr>
+        <p:style>
+          <a:lnRef idx="1">
+            <a:schemeClr val="accent1"/>
+          </a:lnRef>
+          <a:fillRef idx="3">
+            <a:schemeClr val="accent1"/>
+          </a:fillRef>
+          <a:effectRef idx="2">
+            <a:schemeClr val="accent1"/>
+          </a:effectRef>
+          <a:fontRef idx="minor">
+            <a:schemeClr val="lt1"/>
+          </a:fontRef>
+        </p:style>
+        <p:txBody>
+          <a:bodyPr rtlCol="0" anchor="ctr"/>
+          <a:lstStyle/>
+          <a:p>
+            <a:pPr algn="ctr"/>
+            <a:r>
+              <a:rPr lang="en-US" dirty="0" smtClean="0"/>
+              <a:t>Output</a:t>
+            </a:r>
+          </a:p>
+        </p:txBody>
+      </p:sp>
+      <p:sp>
+        <p:nvSpPr>
+          <p:cNvPr id="7" name="Rounded Rectangle 6"/>
+          <p:cNvSpPr/>
+          <p:nvPr/>
+        </p:nvSpPr>
+        <p:spPr>
+          <a:xfrm>
+            <a:off x="1828800" y="2296886"/>
+            <a:ext cx="7162799" cy="544088"/>
           </a:xfrm>
           <a:prstGeom prst="roundRect">
             <a:avLst/>
@@ -9180,40 +9282,29 @@
           <a:p>
             <a:pPr algn="ctr"/>
             <a:r>
-              <a:rPr lang="en-US" b="1" dirty="0" smtClean="0">
-                <a:solidFill>
-                  <a:schemeClr val="bg1"/>
-                </a:solidFill>
-              </a:rPr>
-              <a:t>Engine</a:t>
-            </a:r>
-            <a:endParaRPr lang="en-US" b="1" dirty="0">
-              <a:solidFill>
-                <a:schemeClr val="bg1"/>
-              </a:solidFill>
-            </a:endParaRPr>
-          </a:p>
-        </p:txBody>
-      </p:sp>
-      <p:sp>
-        <p:nvSpPr>
-          <p:cNvPr id="7" name="Rounded Rectangle 6"/>
+              <a:rPr lang="en-US" dirty="0" smtClean="0"/>
+              <a:t>Tag BUs</a:t>
+            </a:r>
+            <a:endParaRPr lang="en-US" dirty="0"/>
+          </a:p>
+        </p:txBody>
+      </p:sp>
+      <p:sp>
+        <p:nvSpPr>
+          <p:cNvPr id="13" name="Rounded Rectangle 12"/>
           <p:cNvSpPr/>
           <p:nvPr/>
         </p:nvSpPr>
         <p:spPr>
           <a:xfrm>
-            <a:off x="8000063" y="2232852"/>
-            <a:ext cx="1657814" cy="531360"/>
+            <a:off x="217954" y="3543552"/>
+            <a:ext cx="1353312" cy="771787"/>
           </a:xfrm>
           <a:prstGeom prst="roundRect">
             <a:avLst/>
           </a:prstGeom>
           <a:solidFill>
-            <a:schemeClr val="accent1">
-              <a:lumMod val="40000"/>
-              <a:lumOff val="60000"/>
-            </a:schemeClr>
+            <a:schemeClr val="accent1"/>
           </a:solidFill>
           <a:ln w="28575">
             <a:solidFill>
@@ -9248,39 +9339,29 @@
           <a:p>
             <a:pPr algn="ctr"/>
             <a:r>
-              <a:rPr lang="en-US" dirty="0" smtClean="0">
-                <a:solidFill>
-                  <a:schemeClr val="tx1"/>
-                </a:solidFill>
-              </a:rPr>
-              <a:t>Channel</a:t>
-            </a:r>
-            <a:endParaRPr lang="en-US" dirty="0">
-              <a:solidFill>
-                <a:schemeClr val="tx1"/>
-              </a:solidFill>
-            </a:endParaRPr>
-          </a:p>
-        </p:txBody>
-      </p:sp>
-      <p:sp>
-        <p:nvSpPr>
-          <p:cNvPr id="8" name="Rounded Rectangle 7"/>
+              <a:rPr lang="en-US" dirty="0" err="1" smtClean="0"/>
+              <a:t>Init</a:t>
+            </a:r>
+            <a:endParaRPr lang="en-US" dirty="0"/>
+          </a:p>
+        </p:txBody>
+      </p:sp>
+      <p:sp>
+        <p:nvSpPr>
+          <p:cNvPr id="14" name="Rounded Rectangle 13"/>
           <p:cNvSpPr/>
           <p:nvPr/>
         </p:nvSpPr>
         <p:spPr>
           <a:xfrm>
-            <a:off x="7958599" y="4137101"/>
-            <a:ext cx="1657814" cy="531360"/>
+            <a:off x="9281807" y="3536322"/>
+            <a:ext cx="1353312" cy="771787"/>
           </a:xfrm>
           <a:prstGeom prst="roundRect">
             <a:avLst/>
           </a:prstGeom>
           <a:solidFill>
-            <a:schemeClr val="bg1">
-              <a:lumMod val="85000"/>
-            </a:schemeClr>
+            <a:schemeClr val="accent1"/>
           </a:solidFill>
           <a:ln w="28575">
             <a:solidFill>
@@ -9315,40 +9396,34 @@
           <a:p>
             <a:pPr algn="ctr"/>
             <a:r>
-              <a:rPr lang="en-US" dirty="0" smtClean="0">
-                <a:solidFill>
-                  <a:schemeClr val="tx1"/>
-                </a:solidFill>
-              </a:rPr>
-              <a:t>Tag</a:t>
-            </a:r>
-            <a:endParaRPr lang="en-US" dirty="0">
-              <a:solidFill>
-                <a:schemeClr val="tx1"/>
-              </a:solidFill>
-            </a:endParaRPr>
-          </a:p>
-        </p:txBody>
-      </p:sp>
-      <p:sp>
-        <p:nvSpPr>
-          <p:cNvPr id="9" name="Right Arrow 8"/>
+              <a:rPr lang="en-US" dirty="0" smtClean="0"/>
+              <a:t>Close</a:t>
+            </a:r>
+            <a:endParaRPr lang="en-US" dirty="0"/>
+          </a:p>
+        </p:txBody>
+      </p:sp>
+      <p:sp>
+        <p:nvSpPr>
+          <p:cNvPr id="15" name="Rounded Rectangle 14"/>
           <p:cNvSpPr/>
           <p:nvPr/>
         </p:nvSpPr>
         <p:spPr>
-          <a:xfrm rot="5400000">
-            <a:off x="8196861" y="3042286"/>
-            <a:ext cx="1098366" cy="923946"/>
-          </a:xfrm>
-          <a:prstGeom prst="rightArrow">
+          <a:xfrm>
+            <a:off x="2516699" y="4708325"/>
+            <a:ext cx="1353312" cy="771787"/>
+          </a:xfrm>
+          <a:prstGeom prst="roundRect">
             <a:avLst/>
           </a:prstGeom>
           <a:solidFill>
-            <a:srgbClr val="FF0000"/>
+            <a:schemeClr val="accent2"/>
           </a:solidFill>
-          <a:ln>
-            <a:noFill/>
+          <a:ln w="28575">
+            <a:solidFill>
+              <a:schemeClr val="tx1"/>
+            </a:solidFill>
           </a:ln>
           <a:effectLst>
             <a:outerShdw blurRad="50800" dist="38100" dir="2700000" algn="tl" rotWithShape="0">
@@ -9377,27 +9452,560 @@
           <a:lstStyle/>
           <a:p>
             <a:pPr algn="ctr"/>
-            <a:endParaRPr lang="en-US"/>
-          </a:p>
-        </p:txBody>
-      </p:sp>
+            <a:r>
+              <a:rPr lang="en-US" dirty="0" smtClean="0"/>
+              <a:t>Input</a:t>
+            </a:r>
+            <a:endParaRPr lang="en-US" dirty="0"/>
+          </a:p>
+        </p:txBody>
+      </p:sp>
+      <p:sp>
+        <p:nvSpPr>
+          <p:cNvPr id="16" name="Rounded Rectangle 15"/>
+          <p:cNvSpPr/>
+          <p:nvPr/>
+        </p:nvSpPr>
+        <p:spPr>
+          <a:xfrm>
+            <a:off x="4626528" y="4708324"/>
+            <a:ext cx="1353312" cy="771787"/>
+          </a:xfrm>
+          <a:prstGeom prst="roundRect">
+            <a:avLst/>
+          </a:prstGeom>
+          <a:solidFill>
+            <a:schemeClr val="accent2"/>
+          </a:solidFill>
+          <a:ln w="28575">
+            <a:solidFill>
+              <a:schemeClr val="tx1"/>
+            </a:solidFill>
+          </a:ln>
+          <a:effectLst>
+            <a:outerShdw blurRad="50800" dist="38100" dir="2700000" algn="tl" rotWithShape="0">
+              <a:prstClr val="black">
+                <a:alpha val="40000"/>
+              </a:prstClr>
+            </a:outerShdw>
+          </a:effectLst>
+        </p:spPr>
+        <p:style>
+          <a:lnRef idx="1">
+            <a:schemeClr val="accent1"/>
+          </a:lnRef>
+          <a:fillRef idx="3">
+            <a:schemeClr val="accent1"/>
+          </a:fillRef>
+          <a:effectRef idx="2">
+            <a:schemeClr val="accent1"/>
+          </a:effectRef>
+          <a:fontRef idx="minor">
+            <a:schemeClr val="lt1"/>
+          </a:fontRef>
+        </p:style>
+        <p:txBody>
+          <a:bodyPr rtlCol="0" anchor="ctr"/>
+          <a:lstStyle/>
+          <a:p>
+            <a:pPr algn="ctr"/>
+            <a:r>
+              <a:rPr lang="en-US" dirty="0" smtClean="0"/>
+              <a:t>Process</a:t>
+            </a:r>
+            <a:endParaRPr lang="en-US" dirty="0"/>
+          </a:p>
+        </p:txBody>
+      </p:sp>
+      <p:sp>
+        <p:nvSpPr>
+          <p:cNvPr id="17" name="Rounded Rectangle 16"/>
+          <p:cNvSpPr/>
+          <p:nvPr/>
+        </p:nvSpPr>
+        <p:spPr>
+          <a:xfrm>
+            <a:off x="7044554" y="4708324"/>
+            <a:ext cx="1353312" cy="771787"/>
+          </a:xfrm>
+          <a:prstGeom prst="roundRect">
+            <a:avLst/>
+          </a:prstGeom>
+          <a:solidFill>
+            <a:schemeClr val="accent2"/>
+          </a:solidFill>
+          <a:ln w="28575">
+            <a:solidFill>
+              <a:schemeClr val="tx1"/>
+            </a:solidFill>
+          </a:ln>
+          <a:effectLst>
+            <a:outerShdw blurRad="50800" dist="38100" dir="2700000" algn="tl" rotWithShape="0">
+              <a:prstClr val="black">
+                <a:alpha val="40000"/>
+              </a:prstClr>
+            </a:outerShdw>
+          </a:effectLst>
+        </p:spPr>
+        <p:style>
+          <a:lnRef idx="1">
+            <a:schemeClr val="accent1"/>
+          </a:lnRef>
+          <a:fillRef idx="3">
+            <a:schemeClr val="accent1"/>
+          </a:fillRef>
+          <a:effectRef idx="2">
+            <a:schemeClr val="accent1"/>
+          </a:effectRef>
+          <a:fontRef idx="minor">
+            <a:schemeClr val="lt1"/>
+          </a:fontRef>
+        </p:style>
+        <p:txBody>
+          <a:bodyPr rtlCol="0" anchor="ctr"/>
+          <a:lstStyle/>
+          <a:p>
+            <a:pPr algn="ctr"/>
+            <a:r>
+              <a:rPr lang="en-US" dirty="0" smtClean="0"/>
+              <a:t>Output</a:t>
+            </a:r>
+          </a:p>
+        </p:txBody>
+      </p:sp>
+      <p:sp>
+        <p:nvSpPr>
+          <p:cNvPr id="18" name="Rounded Rectangle 17"/>
+          <p:cNvSpPr/>
+          <p:nvPr/>
+        </p:nvSpPr>
+        <p:spPr>
+          <a:xfrm>
+            <a:off x="217954" y="4708324"/>
+            <a:ext cx="1353312" cy="771787"/>
+          </a:xfrm>
+          <a:prstGeom prst="roundRect">
+            <a:avLst/>
+          </a:prstGeom>
+          <a:solidFill>
+            <a:schemeClr val="accent2"/>
+          </a:solidFill>
+          <a:ln w="28575">
+            <a:solidFill>
+              <a:schemeClr val="tx1"/>
+            </a:solidFill>
+          </a:ln>
+          <a:effectLst>
+            <a:outerShdw blurRad="50800" dist="38100" dir="2700000" algn="tl" rotWithShape="0">
+              <a:prstClr val="black">
+                <a:alpha val="40000"/>
+              </a:prstClr>
+            </a:outerShdw>
+          </a:effectLst>
+        </p:spPr>
+        <p:style>
+          <a:lnRef idx="1">
+            <a:schemeClr val="accent1"/>
+          </a:lnRef>
+          <a:fillRef idx="3">
+            <a:schemeClr val="accent1"/>
+          </a:fillRef>
+          <a:effectRef idx="2">
+            <a:schemeClr val="accent1"/>
+          </a:effectRef>
+          <a:fontRef idx="minor">
+            <a:schemeClr val="lt1"/>
+          </a:fontRef>
+        </p:style>
+        <p:txBody>
+          <a:bodyPr rtlCol="0" anchor="ctr"/>
+          <a:lstStyle/>
+          <a:p>
+            <a:pPr algn="ctr"/>
+            <a:r>
+              <a:rPr lang="en-US" dirty="0" err="1" smtClean="0"/>
+              <a:t>Init</a:t>
+            </a:r>
+            <a:endParaRPr lang="en-US" dirty="0"/>
+          </a:p>
+        </p:txBody>
+      </p:sp>
+      <p:sp>
+        <p:nvSpPr>
+          <p:cNvPr id="19" name="Rounded Rectangle 18"/>
+          <p:cNvSpPr/>
+          <p:nvPr/>
+        </p:nvSpPr>
+        <p:spPr>
+          <a:xfrm>
+            <a:off x="9281807" y="4701094"/>
+            <a:ext cx="1353312" cy="771787"/>
+          </a:xfrm>
+          <a:prstGeom prst="roundRect">
+            <a:avLst/>
+          </a:prstGeom>
+          <a:solidFill>
+            <a:schemeClr val="accent2"/>
+          </a:solidFill>
+          <a:ln w="28575">
+            <a:solidFill>
+              <a:schemeClr val="tx1"/>
+            </a:solidFill>
+          </a:ln>
+          <a:effectLst>
+            <a:outerShdw blurRad="50800" dist="38100" dir="2700000" algn="tl" rotWithShape="0">
+              <a:prstClr val="black">
+                <a:alpha val="40000"/>
+              </a:prstClr>
+            </a:outerShdw>
+          </a:effectLst>
+        </p:spPr>
+        <p:style>
+          <a:lnRef idx="1">
+            <a:schemeClr val="accent1"/>
+          </a:lnRef>
+          <a:fillRef idx="3">
+            <a:schemeClr val="accent1"/>
+          </a:fillRef>
+          <a:effectRef idx="2">
+            <a:schemeClr val="accent1"/>
+          </a:effectRef>
+          <a:fontRef idx="minor">
+            <a:schemeClr val="lt1"/>
+          </a:fontRef>
+        </p:style>
+        <p:txBody>
+          <a:bodyPr rtlCol="0" anchor="ctr"/>
+          <a:lstStyle/>
+          <a:p>
+            <a:pPr algn="ctr"/>
+            <a:r>
+              <a:rPr lang="en-US" dirty="0" smtClean="0"/>
+              <a:t>Close</a:t>
+            </a:r>
+            <a:endParaRPr lang="en-US" dirty="0"/>
+          </a:p>
+        </p:txBody>
+      </p:sp>
+      <p:cxnSp>
+        <p:nvCxnSpPr>
+          <p:cNvPr id="21" name="Elbow Connector 20"/>
+          <p:cNvCxnSpPr>
+            <a:stCxn id="4" idx="3"/>
+          </p:cNvCxnSpPr>
+          <p:nvPr/>
+        </p:nvCxnSpPr>
+        <p:spPr>
+          <a:xfrm flipV="1">
+            <a:off x="3870011" y="2840974"/>
+            <a:ext cx="114160" cy="1088473"/>
+          </a:xfrm>
+          <a:prstGeom prst="bentConnector2">
+            <a:avLst/>
+          </a:prstGeom>
+          <a:ln w="57150">
+            <a:tailEnd type="triangle"/>
+          </a:ln>
+        </p:spPr>
+        <p:style>
+          <a:lnRef idx="2">
+            <a:schemeClr val="accent1"/>
+          </a:lnRef>
+          <a:fillRef idx="0">
+            <a:schemeClr val="accent1"/>
+          </a:fillRef>
+          <a:effectRef idx="1">
+            <a:schemeClr val="accent1"/>
+          </a:effectRef>
+          <a:fontRef idx="minor">
+            <a:schemeClr val="tx1"/>
+          </a:fontRef>
+        </p:style>
+      </p:cxnSp>
+      <p:cxnSp>
+        <p:nvCxnSpPr>
+          <p:cNvPr id="28" name="Elbow Connector 27"/>
+          <p:cNvCxnSpPr>
+            <a:stCxn id="15" idx="3"/>
+          </p:cNvCxnSpPr>
+          <p:nvPr/>
+        </p:nvCxnSpPr>
+        <p:spPr>
+          <a:xfrm flipV="1">
+            <a:off x="3870011" y="2840974"/>
+            <a:ext cx="353646" cy="2253245"/>
+          </a:xfrm>
+          <a:prstGeom prst="bentConnector2">
+            <a:avLst/>
+          </a:prstGeom>
+          <a:ln w="57150">
+            <a:tailEnd type="triangle"/>
+          </a:ln>
+        </p:spPr>
+        <p:style>
+          <a:lnRef idx="2">
+            <a:schemeClr val="accent1"/>
+          </a:lnRef>
+          <a:fillRef idx="0">
+            <a:schemeClr val="accent1"/>
+          </a:fillRef>
+          <a:effectRef idx="1">
+            <a:schemeClr val="accent1"/>
+          </a:effectRef>
+          <a:fontRef idx="minor">
+            <a:schemeClr val="tx1"/>
+          </a:fontRef>
+        </p:style>
+      </p:cxnSp>
+      <p:cxnSp>
+        <p:nvCxnSpPr>
+          <p:cNvPr id="30" name="Elbow Connector 29"/>
+          <p:cNvCxnSpPr>
+            <a:endCxn id="5" idx="1"/>
+          </p:cNvCxnSpPr>
+          <p:nvPr/>
+        </p:nvCxnSpPr>
+        <p:spPr>
+          <a:xfrm rot="16200000" flipH="1">
+            <a:off x="3973385" y="3276303"/>
+            <a:ext cx="1088472" cy="217814"/>
+          </a:xfrm>
+          <a:prstGeom prst="bentConnector2">
+            <a:avLst/>
+          </a:prstGeom>
+          <a:ln w="57150">
+            <a:tailEnd type="triangle"/>
+          </a:ln>
+        </p:spPr>
+        <p:style>
+          <a:lnRef idx="2">
+            <a:schemeClr val="accent1"/>
+          </a:lnRef>
+          <a:fillRef idx="0">
+            <a:schemeClr val="accent1"/>
+          </a:fillRef>
+          <a:effectRef idx="1">
+            <a:schemeClr val="accent1"/>
+          </a:effectRef>
+          <a:fontRef idx="minor">
+            <a:schemeClr val="tx1"/>
+          </a:fontRef>
+        </p:style>
+      </p:cxnSp>
+      <p:cxnSp>
+        <p:nvCxnSpPr>
+          <p:cNvPr id="34" name="Elbow Connector 33"/>
+          <p:cNvCxnSpPr>
+            <a:stCxn id="16" idx="3"/>
+          </p:cNvCxnSpPr>
+          <p:nvPr/>
+        </p:nvCxnSpPr>
+        <p:spPr>
+          <a:xfrm flipV="1">
+            <a:off x="5979840" y="2840974"/>
+            <a:ext cx="540703" cy="2253244"/>
+          </a:xfrm>
+          <a:prstGeom prst="bentConnector2">
+            <a:avLst/>
+          </a:prstGeom>
+          <a:ln w="57150">
+            <a:tailEnd type="triangle"/>
+          </a:ln>
+        </p:spPr>
+        <p:style>
+          <a:lnRef idx="2">
+            <a:schemeClr val="accent1"/>
+          </a:lnRef>
+          <a:fillRef idx="0">
+            <a:schemeClr val="accent1"/>
+          </a:fillRef>
+          <a:effectRef idx="1">
+            <a:schemeClr val="accent1"/>
+          </a:effectRef>
+          <a:fontRef idx="minor">
+            <a:schemeClr val="tx1"/>
+          </a:fontRef>
+        </p:style>
+      </p:cxnSp>
+      <p:cxnSp>
+        <p:nvCxnSpPr>
+          <p:cNvPr id="36" name="Elbow Connector 35"/>
+          <p:cNvCxnSpPr>
+            <a:stCxn id="5" idx="3"/>
+          </p:cNvCxnSpPr>
+          <p:nvPr/>
+        </p:nvCxnSpPr>
+        <p:spPr>
+          <a:xfrm>
+            <a:off x="5979840" y="3929446"/>
+            <a:ext cx="257534" cy="555468"/>
+          </a:xfrm>
+          <a:prstGeom prst="bentConnector2">
+            <a:avLst/>
+          </a:prstGeom>
+          <a:ln w="57150"/>
+        </p:spPr>
+        <p:style>
+          <a:lnRef idx="2">
+            <a:schemeClr val="accent1"/>
+          </a:lnRef>
+          <a:fillRef idx="0">
+            <a:schemeClr val="accent1"/>
+          </a:fillRef>
+          <a:effectRef idx="1">
+            <a:schemeClr val="accent1"/>
+          </a:effectRef>
+          <a:fontRef idx="minor">
+            <a:schemeClr val="tx1"/>
+          </a:fontRef>
+        </p:style>
+      </p:cxnSp>
+      <p:cxnSp>
+        <p:nvCxnSpPr>
+          <p:cNvPr id="40" name="Straight Connector 39"/>
+          <p:cNvCxnSpPr/>
+          <p:nvPr/>
+        </p:nvCxnSpPr>
+        <p:spPr>
+          <a:xfrm flipH="1">
+            <a:off x="4484914" y="4484914"/>
+            <a:ext cx="1752460" cy="0"/>
+          </a:xfrm>
+          <a:prstGeom prst="line">
+            <a:avLst/>
+          </a:prstGeom>
+          <a:ln w="57150"/>
+        </p:spPr>
+        <p:style>
+          <a:lnRef idx="2">
+            <a:schemeClr val="accent1"/>
+          </a:lnRef>
+          <a:fillRef idx="0">
+            <a:schemeClr val="accent1"/>
+          </a:fillRef>
+          <a:effectRef idx="1">
+            <a:schemeClr val="accent1"/>
+          </a:effectRef>
+          <a:fontRef idx="minor">
+            <a:schemeClr val="tx1"/>
+          </a:fontRef>
+        </p:style>
+      </p:cxnSp>
+      <p:cxnSp>
+        <p:nvCxnSpPr>
+          <p:cNvPr id="42" name="Elbow Connector 41"/>
+          <p:cNvCxnSpPr>
+            <a:endCxn id="16" idx="1"/>
+          </p:cNvCxnSpPr>
+          <p:nvPr/>
+        </p:nvCxnSpPr>
+        <p:spPr>
+          <a:xfrm rot="16200000" flipH="1">
+            <a:off x="4256512" y="4724202"/>
+            <a:ext cx="609304" cy="130728"/>
+          </a:xfrm>
+          <a:prstGeom prst="bentConnector2">
+            <a:avLst/>
+          </a:prstGeom>
+          <a:ln w="57150">
+            <a:tailEnd type="triangle"/>
+          </a:ln>
+        </p:spPr>
+        <p:style>
+          <a:lnRef idx="2">
+            <a:schemeClr val="accent1"/>
+          </a:lnRef>
+          <a:fillRef idx="0">
+            <a:schemeClr val="accent1"/>
+          </a:fillRef>
+          <a:effectRef idx="1">
+            <a:schemeClr val="accent1"/>
+          </a:effectRef>
+          <a:fontRef idx="minor">
+            <a:schemeClr val="tx1"/>
+          </a:fontRef>
+        </p:style>
+      </p:cxnSp>
+      <p:cxnSp>
+        <p:nvCxnSpPr>
+          <p:cNvPr id="44" name="Elbow Connector 43"/>
+          <p:cNvCxnSpPr>
+            <a:endCxn id="6" idx="1"/>
+          </p:cNvCxnSpPr>
+          <p:nvPr/>
+        </p:nvCxnSpPr>
+        <p:spPr>
+          <a:xfrm rot="16200000" flipH="1">
+            <a:off x="6325398" y="3177634"/>
+            <a:ext cx="1077586" cy="426038"/>
+          </a:xfrm>
+          <a:prstGeom prst="bentConnector2">
+            <a:avLst/>
+          </a:prstGeom>
+          <a:ln w="57150">
+            <a:tailEnd type="triangle"/>
+          </a:ln>
+        </p:spPr>
+        <p:style>
+          <a:lnRef idx="2">
+            <a:schemeClr val="accent1"/>
+          </a:lnRef>
+          <a:fillRef idx="0">
+            <a:schemeClr val="accent1"/>
+          </a:fillRef>
+          <a:effectRef idx="1">
+            <a:schemeClr val="accent1"/>
+          </a:effectRef>
+          <a:fontRef idx="minor">
+            <a:schemeClr val="tx1"/>
+          </a:fontRef>
+        </p:style>
+      </p:cxnSp>
+      <p:cxnSp>
+        <p:nvCxnSpPr>
+          <p:cNvPr id="46" name="Elbow Connector 45"/>
+          <p:cNvCxnSpPr>
+            <a:endCxn id="17" idx="1"/>
+          </p:cNvCxnSpPr>
+          <p:nvPr/>
+        </p:nvCxnSpPr>
+        <p:spPr>
+          <a:xfrm rot="16200000" flipH="1">
+            <a:off x="5721240" y="3770904"/>
+            <a:ext cx="2253244" cy="393383"/>
+          </a:xfrm>
+          <a:prstGeom prst="bentConnector2">
+            <a:avLst/>
+          </a:prstGeom>
+          <a:ln w="57150">
+            <a:tailEnd type="triangle"/>
+          </a:ln>
+        </p:spPr>
+        <p:style>
+          <a:lnRef idx="2">
+            <a:schemeClr val="accent1"/>
+          </a:lnRef>
+          <a:fillRef idx="0">
+            <a:schemeClr val="accent1"/>
+          </a:fillRef>
+          <a:effectRef idx="1">
+            <a:schemeClr val="accent1"/>
+          </a:effectRef>
+          <a:fontRef idx="minor">
+            <a:schemeClr val="tx1"/>
+          </a:fontRef>
+        </p:style>
+      </p:cxnSp>
     </p:spTree>
     <p:extLst>
       <p:ext uri="{BB962C8B-B14F-4D97-AF65-F5344CB8AC3E}">
-        <p14:creationId xmlns:p14="http://schemas.microsoft.com/office/powerpoint/2010/main" val="2256109611"/>
+        <p14:creationId xmlns:p14="http://schemas.microsoft.com/office/powerpoint/2010/main" val="75696922"/>
       </p:ext>
     </p:extLst>
   </p:cSld>
   <p:clrMapOvr>
     <a:masterClrMapping/>
   </p:clrMapOvr>
-  <p:timing>
-    <p:tnLst>
-      <p:par>
-        <p:cTn id="1" dur="indefinite" restart="never" nodeType="tmRoot"/>
-      </p:par>
-    </p:tnLst>
-  </p:timing>
 </p:sld>
 </file>
 
@@ -9420,98 +10028,457 @@
       </p:grpSpPr>
       <p:sp>
         <p:nvSpPr>
-          <p:cNvPr id="2" name="Title 1"/>
+          <p:cNvPr id="11" name="Content Placeholder 10"/>
           <p:cNvSpPr>
             <a:spLocks noGrp="1"/>
           </p:cNvSpPr>
           <p:nvPr>
-            <p:ph type="title"/>
+            <p:ph sz="half" idx="1"/>
           </p:nvPr>
         </p:nvSpPr>
-        <p:spPr/>
-        <p:txBody>
-          <a:bodyPr/>
+        <p:spPr>
+          <a:xfrm>
+            <a:off x="623880" y="334537"/>
+            <a:ext cx="5667155" cy="5732624"/>
+          </a:xfrm>
+        </p:spPr>
+        <p:txBody>
+          <a:bodyPr>
+            <a:normAutofit/>
+          </a:bodyPr>
           <a:lstStyle/>
           <a:p>
-            <a:r>
-              <a:rPr lang="en-US" dirty="0" smtClean="0"/>
-              <a:t>RT Main Code</a:t>
-            </a:r>
+            <a:pPr marL="0" indent="0">
+              <a:buNone/>
+            </a:pPr>
+            <a:r>
+              <a:rPr lang="en-US" sz="3200" spc="-100" dirty="0" smtClean="0">
+                <a:solidFill>
+                  <a:schemeClr val="accent1"/>
+                </a:solidFill>
+                <a:ea typeface="+mj-ea"/>
+              </a:rPr>
+              <a:t>Tags</a:t>
+            </a:r>
+            <a:endParaRPr lang="en-US" sz="3200" spc="-100" dirty="0">
+              <a:solidFill>
+                <a:schemeClr val="accent1"/>
+              </a:solidFill>
+              <a:ea typeface="+mj-ea"/>
+            </a:endParaRPr>
+          </a:p>
+          <a:p>
+            <a:r>
+              <a:rPr lang="en-US" dirty="0" smtClean="0"/>
+              <a:t>Engine Scope</a:t>
+            </a:r>
+          </a:p>
+          <a:p>
+            <a:r>
+              <a:rPr lang="en-US" dirty="0" smtClean="0"/>
+              <a:t>Have Data Type</a:t>
+            </a:r>
+          </a:p>
+          <a:p>
+            <a:r>
+              <a:rPr lang="en-US" dirty="0" smtClean="0"/>
+              <a:t>Unique Name</a:t>
+            </a:r>
+          </a:p>
+          <a:p>
+            <a:r>
+              <a:rPr lang="en-US" dirty="0" smtClean="0"/>
+              <a:t>Only one writer </a:t>
+            </a:r>
+          </a:p>
+          <a:p>
+            <a:r>
+              <a:rPr lang="en-US" dirty="0" smtClean="0"/>
+              <a:t>Multiple readers</a:t>
+            </a:r>
+          </a:p>
+          <a:p>
             <a:endParaRPr lang="en-US" dirty="0"/>
           </a:p>
-        </p:txBody>
-      </p:sp>
-      <p:sp>
-        <p:nvSpPr>
-          <p:cNvPr id="3" name="Content Placeholder 2"/>
-          <p:cNvSpPr>
-            <a:spLocks noGrp="1"/>
-          </p:cNvSpPr>
-          <p:nvPr>
-            <p:ph idx="1"/>
-          </p:nvPr>
-        </p:nvSpPr>
-        <p:spPr>
-          <a:xfrm>
-            <a:off x="631914" y="1106921"/>
-            <a:ext cx="10893337" cy="2931679"/>
-          </a:xfrm>
-        </p:spPr>
-        <p:txBody>
-          <a:bodyPr/>
+          <a:p>
+            <a:pPr marL="0" indent="0">
+              <a:buNone/>
+            </a:pPr>
+            <a:r>
+              <a:rPr lang="en-US" sz="3200" spc="-100" dirty="0">
+                <a:solidFill>
+                  <a:schemeClr val="accent1"/>
+                </a:solidFill>
+              </a:rPr>
+              <a:t>Channels</a:t>
+            </a:r>
+          </a:p>
+          <a:p>
+            <a:r>
+              <a:rPr lang="en-US" dirty="0"/>
+              <a:t>Module </a:t>
+            </a:r>
+            <a:r>
+              <a:rPr lang="en-US" dirty="0" smtClean="0"/>
+              <a:t>Scope</a:t>
+            </a:r>
+          </a:p>
+          <a:p>
+            <a:r>
+              <a:rPr lang="en-US" dirty="0"/>
+              <a:t>Have Data Type</a:t>
+            </a:r>
+          </a:p>
+          <a:p>
+            <a:r>
+              <a:rPr lang="en-US" dirty="0"/>
+              <a:t>Unique </a:t>
+            </a:r>
+            <a:r>
+              <a:rPr lang="en-US" dirty="0" smtClean="0"/>
+              <a:t>Name</a:t>
+            </a:r>
+          </a:p>
+          <a:p>
+            <a:r>
+              <a:rPr lang="en-US" dirty="0" smtClean="0"/>
+              <a:t>Have Flow Direction</a:t>
+            </a:r>
+            <a:endParaRPr lang="en-US" dirty="0"/>
+          </a:p>
+          <a:p>
+            <a:pPr marL="0" indent="0">
+              <a:buNone/>
+            </a:pPr>
+            <a:endParaRPr lang="en-US" dirty="0"/>
+          </a:p>
+          <a:p>
+            <a:endParaRPr lang="en-US" dirty="0"/>
+          </a:p>
+        </p:txBody>
+      </p:sp>
+      <p:sp>
+        <p:nvSpPr>
+          <p:cNvPr id="5" name="Rounded Rectangle 4"/>
+          <p:cNvSpPr/>
+          <p:nvPr/>
+        </p:nvSpPr>
+        <p:spPr>
+          <a:xfrm>
+            <a:off x="6734025" y="3979539"/>
+            <a:ext cx="4259075" cy="1705956"/>
+          </a:xfrm>
+          <a:prstGeom prst="roundRect">
+            <a:avLst/>
+          </a:prstGeom>
+          <a:solidFill>
+            <a:schemeClr val="accent1"/>
+          </a:solidFill>
+          <a:ln w="28575">
+            <a:solidFill>
+              <a:schemeClr val="tx1"/>
+            </a:solidFill>
+          </a:ln>
+          <a:effectLst>
+            <a:outerShdw blurRad="50800" dist="38100" dir="2700000" algn="tl" rotWithShape="0">
+              <a:prstClr val="black">
+                <a:alpha val="40000"/>
+              </a:prstClr>
+            </a:outerShdw>
+          </a:effectLst>
+        </p:spPr>
+        <p:style>
+          <a:lnRef idx="1">
+            <a:schemeClr val="accent1"/>
+          </a:lnRef>
+          <a:fillRef idx="3">
+            <a:schemeClr val="accent1"/>
+          </a:fillRef>
+          <a:effectRef idx="2">
+            <a:schemeClr val="accent1"/>
+          </a:effectRef>
+          <a:fontRef idx="minor">
+            <a:schemeClr val="lt1"/>
+          </a:fontRef>
+        </p:style>
+        <p:txBody>
+          <a:bodyPr rtlCol="0" anchor="ctr"/>
           <a:lstStyle/>
           <a:p>
-            <a:r>
-              <a:rPr lang="en-US" dirty="0" smtClean="0"/>
-              <a:t>This code is common for any Tag Bus applications</a:t>
-            </a:r>
-          </a:p>
-          <a:p>
-            <a:r>
-              <a:rPr lang="en-US" dirty="0"/>
-              <a:t>The Engine API allows us to interact with the </a:t>
-            </a:r>
-            <a:r>
-              <a:rPr lang="en-US" dirty="0" smtClean="0"/>
+            <a:pPr algn="ctr"/>
+            <a:r>
+              <a:rPr lang="en-US" sz="2000" dirty="0" smtClean="0">
+                <a:solidFill>
+                  <a:schemeClr val="bg1"/>
+                </a:solidFill>
+              </a:rPr>
+              <a:t>Input Module</a:t>
+            </a:r>
+            <a:endParaRPr lang="en-US" sz="2000" dirty="0">
+              <a:solidFill>
+                <a:schemeClr val="bg1"/>
+              </a:solidFill>
+            </a:endParaRPr>
+          </a:p>
+        </p:txBody>
+      </p:sp>
+      <p:sp>
+        <p:nvSpPr>
+          <p:cNvPr id="6" name="Rounded Rectangle 5"/>
+          <p:cNvSpPr/>
+          <p:nvPr/>
+        </p:nvSpPr>
+        <p:spPr>
+          <a:xfrm>
+            <a:off x="6699432" y="1243967"/>
+            <a:ext cx="4259075" cy="1821550"/>
+          </a:xfrm>
+          <a:prstGeom prst="roundRect">
+            <a:avLst/>
+          </a:prstGeom>
+          <a:solidFill>
+            <a:schemeClr val="bg1">
+              <a:lumMod val="50000"/>
+            </a:schemeClr>
+          </a:solidFill>
+          <a:ln w="28575">
+            <a:solidFill>
+              <a:schemeClr val="tx1"/>
+            </a:solidFill>
+          </a:ln>
+          <a:effectLst>
+            <a:outerShdw blurRad="50800" dist="38100" dir="2700000" algn="tl" rotWithShape="0">
+              <a:prstClr val="black">
+                <a:alpha val="40000"/>
+              </a:prstClr>
+            </a:outerShdw>
+          </a:effectLst>
+        </p:spPr>
+        <p:style>
+          <a:lnRef idx="1">
+            <a:schemeClr val="accent1"/>
+          </a:lnRef>
+          <a:fillRef idx="3">
+            <a:schemeClr val="accent1"/>
+          </a:fillRef>
+          <a:effectRef idx="2">
+            <a:schemeClr val="accent1"/>
+          </a:effectRef>
+          <a:fontRef idx="minor">
+            <a:schemeClr val="lt1"/>
+          </a:fontRef>
+        </p:style>
+        <p:txBody>
+          <a:bodyPr rtlCol="0" anchor="ctr"/>
+          <a:lstStyle/>
+          <a:p>
+            <a:pPr algn="ctr"/>
+            <a:r>
+              <a:rPr lang="en-US" b="1" dirty="0" smtClean="0">
+                <a:solidFill>
+                  <a:schemeClr val="bg1"/>
+                </a:solidFill>
+              </a:rPr>
               <a:t>Engine</a:t>
             </a:r>
-          </a:p>
-          <a:p>
-            <a:r>
-              <a:rPr lang="en-US" dirty="0" smtClean="0"/>
-              <a:t>The configuration file defines how many engines are spawned and how which modules are in each engine, as well as what tags are mapped to each channel </a:t>
-            </a:r>
-          </a:p>
-        </p:txBody>
-      </p:sp>
-      <p:pic>
-        <p:nvPicPr>
-          <p:cNvPr id="4" name="Picture 3"/>
-          <p:cNvPicPr>
-            <a:picLocks noChangeAspect="1"/>
-          </p:cNvPicPr>
+            <a:endParaRPr lang="en-US" b="1" dirty="0">
+              <a:solidFill>
+                <a:schemeClr val="bg1"/>
+              </a:solidFill>
+            </a:endParaRPr>
+          </a:p>
+        </p:txBody>
+      </p:sp>
+      <p:sp>
+        <p:nvSpPr>
+          <p:cNvPr id="7" name="Rounded Rectangle 6"/>
+          <p:cNvSpPr/>
           <p:nvPr/>
-        </p:nvPicPr>
-        <p:blipFill>
-          <a:blip r:embed="rId3"/>
-          <a:stretch>
-            <a:fillRect/>
-          </a:stretch>
-        </p:blipFill>
-        <p:spPr>
-          <a:xfrm>
-            <a:off x="1771817" y="3654037"/>
-            <a:ext cx="8613530" cy="2484825"/>
-          </a:xfrm>
-          <a:prstGeom prst="rect">
-            <a:avLst/>
-          </a:prstGeom>
-        </p:spPr>
-      </p:pic>
+        </p:nvSpPr>
+        <p:spPr>
+          <a:xfrm>
+            <a:off x="7917137" y="4053442"/>
+            <a:ext cx="1657814" cy="531360"/>
+          </a:xfrm>
+          <a:prstGeom prst="roundRect">
+            <a:avLst/>
+          </a:prstGeom>
+          <a:solidFill>
+            <a:schemeClr val="accent1">
+              <a:lumMod val="40000"/>
+              <a:lumOff val="60000"/>
+            </a:schemeClr>
+          </a:solidFill>
+          <a:ln w="28575">
+            <a:solidFill>
+              <a:schemeClr val="tx1"/>
+            </a:solidFill>
+          </a:ln>
+          <a:effectLst>
+            <a:outerShdw blurRad="50800" dist="38100" dir="2700000" algn="tl" rotWithShape="0">
+              <a:prstClr val="black">
+                <a:alpha val="40000"/>
+              </a:prstClr>
+            </a:outerShdw>
+          </a:effectLst>
+        </p:spPr>
+        <p:style>
+          <a:lnRef idx="1">
+            <a:schemeClr val="accent1"/>
+          </a:lnRef>
+          <a:fillRef idx="3">
+            <a:schemeClr val="accent1"/>
+          </a:fillRef>
+          <a:effectRef idx="2">
+            <a:schemeClr val="accent1"/>
+          </a:effectRef>
+          <a:fontRef idx="minor">
+            <a:schemeClr val="lt1"/>
+          </a:fontRef>
+        </p:style>
+        <p:txBody>
+          <a:bodyPr rtlCol="0" anchor="ctr"/>
+          <a:lstStyle/>
+          <a:p>
+            <a:pPr algn="ctr"/>
+            <a:r>
+              <a:rPr lang="en-US" dirty="0" smtClean="0">
+                <a:solidFill>
+                  <a:schemeClr val="tx1"/>
+                </a:solidFill>
+              </a:rPr>
+              <a:t>Channel</a:t>
+            </a:r>
+            <a:endParaRPr lang="en-US" dirty="0">
+              <a:solidFill>
+                <a:schemeClr val="tx1"/>
+              </a:solidFill>
+            </a:endParaRPr>
+          </a:p>
+        </p:txBody>
+      </p:sp>
+      <p:sp>
+        <p:nvSpPr>
+          <p:cNvPr id="8" name="Rounded Rectangle 7"/>
+          <p:cNvSpPr/>
+          <p:nvPr/>
+        </p:nvSpPr>
+        <p:spPr>
+          <a:xfrm>
+            <a:off x="7917137" y="2346073"/>
+            <a:ext cx="1657814" cy="531360"/>
+          </a:xfrm>
+          <a:prstGeom prst="roundRect">
+            <a:avLst/>
+          </a:prstGeom>
+          <a:solidFill>
+            <a:schemeClr val="bg1">
+              <a:lumMod val="85000"/>
+            </a:schemeClr>
+          </a:solidFill>
+          <a:ln w="28575">
+            <a:solidFill>
+              <a:schemeClr val="tx1"/>
+            </a:solidFill>
+          </a:ln>
+          <a:effectLst>
+            <a:outerShdw blurRad="50800" dist="38100" dir="2700000" algn="tl" rotWithShape="0">
+              <a:prstClr val="black">
+                <a:alpha val="40000"/>
+              </a:prstClr>
+            </a:outerShdw>
+          </a:effectLst>
+        </p:spPr>
+        <p:style>
+          <a:lnRef idx="1">
+            <a:schemeClr val="accent1"/>
+          </a:lnRef>
+          <a:fillRef idx="3">
+            <a:schemeClr val="accent1"/>
+          </a:fillRef>
+          <a:effectRef idx="2">
+            <a:schemeClr val="accent1"/>
+          </a:effectRef>
+          <a:fontRef idx="minor">
+            <a:schemeClr val="lt1"/>
+          </a:fontRef>
+        </p:style>
+        <p:txBody>
+          <a:bodyPr rtlCol="0" anchor="ctr"/>
+          <a:lstStyle/>
+          <a:p>
+            <a:pPr algn="ctr"/>
+            <a:r>
+              <a:rPr lang="en-US" dirty="0" smtClean="0">
+                <a:solidFill>
+                  <a:schemeClr val="tx1"/>
+                </a:solidFill>
+              </a:rPr>
+              <a:t>Tag</a:t>
+            </a:r>
+            <a:endParaRPr lang="en-US" dirty="0">
+              <a:solidFill>
+                <a:schemeClr val="tx1"/>
+              </a:solidFill>
+            </a:endParaRPr>
+          </a:p>
+        </p:txBody>
+      </p:sp>
+      <p:sp>
+        <p:nvSpPr>
+          <p:cNvPr id="9" name="Right Arrow 8"/>
+          <p:cNvSpPr/>
+          <p:nvPr/>
+        </p:nvSpPr>
+        <p:spPr>
+          <a:xfrm rot="5400000">
+            <a:off x="8196861" y="3042286"/>
+            <a:ext cx="1098366" cy="923946"/>
+          </a:xfrm>
+          <a:prstGeom prst="rightArrow">
+            <a:avLst/>
+          </a:prstGeom>
+          <a:solidFill>
+            <a:srgbClr val="FF0000"/>
+          </a:solidFill>
+          <a:ln>
+            <a:noFill/>
+          </a:ln>
+          <a:effectLst>
+            <a:outerShdw blurRad="50800" dist="38100" dir="2700000" algn="tl" rotWithShape="0">
+              <a:prstClr val="black">
+                <a:alpha val="40000"/>
+              </a:prstClr>
+            </a:outerShdw>
+          </a:effectLst>
+        </p:spPr>
+        <p:style>
+          <a:lnRef idx="1">
+            <a:schemeClr val="accent1"/>
+          </a:lnRef>
+          <a:fillRef idx="3">
+            <a:schemeClr val="accent1"/>
+          </a:fillRef>
+          <a:effectRef idx="2">
+            <a:schemeClr val="accent1"/>
+          </a:effectRef>
+          <a:fontRef idx="minor">
+            <a:schemeClr val="lt1"/>
+          </a:fontRef>
+        </p:style>
+        <p:txBody>
+          <a:bodyPr rtlCol="0" anchor="ctr"/>
+          <a:lstStyle/>
+          <a:p>
+            <a:pPr algn="ctr"/>
+            <a:endParaRPr lang="en-US"/>
+          </a:p>
+        </p:txBody>
+      </p:sp>
     </p:spTree>
     <p:extLst>
       <p:ext uri="{BB962C8B-B14F-4D97-AF65-F5344CB8AC3E}">
-        <p14:creationId xmlns:p14="http://schemas.microsoft.com/office/powerpoint/2010/main" val="3570879653"/>
+        <p14:creationId xmlns:p14="http://schemas.microsoft.com/office/powerpoint/2010/main" val="2256109611"/>
       </p:ext>
     </p:extLst>
   </p:cSld>
@@ -9562,7 +10529,7 @@
           <a:p>
             <a:r>
               <a:rPr lang="en-US" dirty="0" smtClean="0"/>
-              <a:t>Editor</a:t>
+              <a:t>RT Main Code</a:t>
             </a:r>
             <a:endParaRPr lang="en-US" dirty="0"/>
           </a:p>
@@ -9580,8 +10547,8 @@
         </p:nvSpPr>
         <p:spPr>
           <a:xfrm>
-            <a:off x="626263" y="1121384"/>
-            <a:ext cx="5317338" cy="4949008"/>
+            <a:off x="631914" y="1106921"/>
+            <a:ext cx="10893337" cy="2931679"/>
           </a:xfrm>
         </p:spPr>
         <p:txBody>
@@ -9590,27 +10557,24 @@
           <a:p>
             <a:r>
               <a:rPr lang="en-US" dirty="0" smtClean="0"/>
-              <a:t>Based on Configuration Editor Framework CEF</a:t>
-            </a:r>
-          </a:p>
-          <a:p>
-            <a:r>
-              <a:rPr lang="en-US" dirty="0" smtClean="0"/>
-              <a:t>Open source</a:t>
-            </a:r>
-          </a:p>
-          <a:p>
-            <a:r>
-              <a:rPr lang="en-US" dirty="0" smtClean="0"/>
-              <a:t>Tools and APIs to make it easier to use</a:t>
-            </a:r>
-          </a:p>
-          <a:p>
-            <a:r>
-              <a:rPr lang="en-US" dirty="0" smtClean="0"/>
-              <a:t>Current effort in making this easier to use</a:t>
-            </a:r>
-            <a:endParaRPr lang="en-US" dirty="0"/>
+              <a:t>This code is common for any Tag Bus applications</a:t>
+            </a:r>
+          </a:p>
+          <a:p>
+            <a:r>
+              <a:rPr lang="en-US" dirty="0"/>
+              <a:t>The Engine API allows us to interact with the </a:t>
+            </a:r>
+            <a:r>
+              <a:rPr lang="en-US" dirty="0" smtClean="0"/>
+              <a:t>Engine</a:t>
+            </a:r>
+          </a:p>
+          <a:p>
+            <a:r>
+              <a:rPr lang="en-US" dirty="0" smtClean="0"/>
+              <a:t>The configuration file defines how many engines are spawned and how which modules are in each engine, as well as what tags are mapped to each channel </a:t>
+            </a:r>
           </a:p>
         </p:txBody>
       </p:sp>
@@ -9623,15 +10587,15 @@
           <p:nvPr/>
         </p:nvPicPr>
         <p:blipFill>
-          <a:blip r:embed="rId2"/>
+          <a:blip r:embed="rId3"/>
           <a:stretch>
             <a:fillRect/>
           </a:stretch>
         </p:blipFill>
         <p:spPr>
           <a:xfrm>
-            <a:off x="6462436" y="1345406"/>
-            <a:ext cx="5062815" cy="2689361"/>
+            <a:off x="1771817" y="3654037"/>
+            <a:ext cx="8613530" cy="2484825"/>
           </a:xfrm>
           <a:prstGeom prst="rect">
             <a:avLst/>
@@ -9641,7 +10605,7 @@
     </p:spTree>
     <p:extLst>
       <p:ext uri="{BB962C8B-B14F-4D97-AF65-F5344CB8AC3E}">
-        <p14:creationId xmlns:p14="http://schemas.microsoft.com/office/powerpoint/2010/main" val="2054972389"/>
+        <p14:creationId xmlns:p14="http://schemas.microsoft.com/office/powerpoint/2010/main" val="3570879653"/>
       </p:ext>
     </p:extLst>
   </p:cSld>
@@ -9682,19 +10646,17 @@
             <a:spLocks noGrp="1"/>
           </p:cNvSpPr>
           <p:nvPr>
-            <p:ph type="ctrTitle"/>
+            <p:ph type="title"/>
           </p:nvPr>
         </p:nvSpPr>
         <p:spPr/>
         <p:txBody>
-          <a:bodyPr>
-            <a:normAutofit/>
-          </a:bodyPr>
+          <a:bodyPr/>
           <a:lstStyle/>
           <a:p>
             <a:r>
               <a:rPr lang="en-US" dirty="0" smtClean="0"/>
-              <a:t>Demo</a:t>
+              <a:t>Editor</a:t>
             </a:r>
             <a:endParaRPr lang="en-US" dirty="0"/>
           </a:p>
@@ -9702,27 +10664,78 @@
       </p:sp>
       <p:sp>
         <p:nvSpPr>
-          <p:cNvPr id="4" name="Subtitle 3"/>
+          <p:cNvPr id="3" name="Content Placeholder 2"/>
           <p:cNvSpPr>
             <a:spLocks noGrp="1"/>
           </p:cNvSpPr>
           <p:nvPr>
-            <p:ph type="subTitle" idx="1"/>
+            <p:ph idx="1"/>
           </p:nvPr>
         </p:nvSpPr>
-        <p:spPr/>
+        <p:spPr>
+          <a:xfrm>
+            <a:off x="626263" y="1121384"/>
+            <a:ext cx="5317338" cy="4949008"/>
+          </a:xfrm>
+        </p:spPr>
         <p:txBody>
           <a:bodyPr/>
           <a:lstStyle/>
           <a:p>
-            <a:endParaRPr lang="en-US"/>
-          </a:p>
-        </p:txBody>
-      </p:sp>
+            <a:r>
+              <a:rPr lang="en-US" dirty="0" smtClean="0"/>
+              <a:t>Based on Configuration Editor Framework CEF</a:t>
+            </a:r>
+          </a:p>
+          <a:p>
+            <a:r>
+              <a:rPr lang="en-US" dirty="0" smtClean="0"/>
+              <a:t>Open source</a:t>
+            </a:r>
+          </a:p>
+          <a:p>
+            <a:r>
+              <a:rPr lang="en-US" dirty="0" smtClean="0"/>
+              <a:t>Tools and APIs to make it easier to use</a:t>
+            </a:r>
+          </a:p>
+          <a:p>
+            <a:r>
+              <a:rPr lang="en-US" dirty="0" smtClean="0"/>
+              <a:t>Current effort in making this easier to use</a:t>
+            </a:r>
+            <a:endParaRPr lang="en-US" dirty="0"/>
+          </a:p>
+        </p:txBody>
+      </p:sp>
+      <p:pic>
+        <p:nvPicPr>
+          <p:cNvPr id="4" name="Picture 3"/>
+          <p:cNvPicPr>
+            <a:picLocks noChangeAspect="1"/>
+          </p:cNvPicPr>
+          <p:nvPr/>
+        </p:nvPicPr>
+        <p:blipFill>
+          <a:blip r:embed="rId2"/>
+          <a:stretch>
+            <a:fillRect/>
+          </a:stretch>
+        </p:blipFill>
+        <p:spPr>
+          <a:xfrm>
+            <a:off x="6462436" y="1345406"/>
+            <a:ext cx="5062815" cy="2689361"/>
+          </a:xfrm>
+          <a:prstGeom prst="rect">
+            <a:avLst/>
+          </a:prstGeom>
+        </p:spPr>
+      </p:pic>
     </p:spTree>
     <p:extLst>
       <p:ext uri="{BB962C8B-B14F-4D97-AF65-F5344CB8AC3E}">
-        <p14:creationId xmlns:p14="http://schemas.microsoft.com/office/powerpoint/2010/main" val="3381021467"/>
+        <p14:creationId xmlns:p14="http://schemas.microsoft.com/office/powerpoint/2010/main" val="2054972389"/>
       </p:ext>
     </p:extLst>
   </p:cSld>
@@ -9758,22 +10771,24 @@
       </p:grpSpPr>
       <p:sp>
         <p:nvSpPr>
-          <p:cNvPr id="4" name="Title 3"/>
+          <p:cNvPr id="2" name="Title 1"/>
           <p:cNvSpPr>
             <a:spLocks noGrp="1"/>
           </p:cNvSpPr>
           <p:nvPr>
-            <p:ph type="title"/>
+            <p:ph type="ctrTitle"/>
           </p:nvPr>
         </p:nvSpPr>
         <p:spPr/>
         <p:txBody>
-          <a:bodyPr/>
+          <a:bodyPr>
+            <a:normAutofit/>
+          </a:bodyPr>
           <a:lstStyle/>
           <a:p>
             <a:r>
               <a:rPr lang="en-US" dirty="0" smtClean="0"/>
-              <a:t>When to use tag bus framework</a:t>
+              <a:t>Demo</a:t>
             </a:r>
             <a:endParaRPr lang="en-US" dirty="0"/>
           </a:p>
@@ -9781,12 +10796,12 @@
       </p:sp>
       <p:sp>
         <p:nvSpPr>
-          <p:cNvPr id="5" name="Content Placeholder 4"/>
+          <p:cNvPr id="4" name="Subtitle 3"/>
           <p:cNvSpPr>
             <a:spLocks noGrp="1"/>
           </p:cNvSpPr>
           <p:nvPr>
-            <p:ph idx="1"/>
+            <p:ph type="subTitle" idx="1"/>
           </p:nvPr>
         </p:nvSpPr>
         <p:spPr/>
@@ -9794,519 +10809,14 @@
           <a:bodyPr/>
           <a:lstStyle/>
           <a:p>
-            <a:r>
-              <a:rPr lang="en-US" dirty="0" smtClean="0"/>
-              <a:t>Tag </a:t>
-            </a:r>
-            <a:r>
-              <a:rPr lang="en-US" dirty="0"/>
-              <a:t>b</a:t>
-            </a:r>
-            <a:r>
-              <a:rPr lang="en-US" dirty="0" smtClean="0"/>
-              <a:t>ased applications</a:t>
-            </a:r>
-          </a:p>
-          <a:p>
-            <a:r>
-              <a:rPr lang="en-US" dirty="0" smtClean="0"/>
-              <a:t>Want to reuse modules already created</a:t>
-            </a:r>
-          </a:p>
-          <a:p>
-            <a:r>
-              <a:rPr lang="en-US" dirty="0" smtClean="0"/>
-              <a:t>I/O </a:t>
-            </a:r>
-            <a:r>
-              <a:rPr lang="en-US" dirty="0"/>
-              <a:t>a</a:t>
-            </a:r>
-            <a:r>
-              <a:rPr lang="en-US" dirty="0" smtClean="0"/>
-              <a:t>bstraction layer</a:t>
-            </a:r>
-          </a:p>
-          <a:p>
-            <a:r>
-              <a:rPr lang="en-US" dirty="0" smtClean="0"/>
-              <a:t>Need configuration</a:t>
-            </a:r>
-          </a:p>
-          <a:p>
-            <a:r>
-              <a:rPr lang="en-US" dirty="0" smtClean="0"/>
-              <a:t>Machine control</a:t>
-            </a:r>
-          </a:p>
-          <a:p>
-            <a:r>
-              <a:rPr lang="en-US" dirty="0"/>
-              <a:t>S</a:t>
-            </a:r>
-            <a:r>
-              <a:rPr lang="en-US" dirty="0" smtClean="0"/>
-              <a:t>ystem automation</a:t>
-            </a:r>
-          </a:p>
-          <a:p>
-            <a:endParaRPr lang="en-US" dirty="0"/>
-          </a:p>
-        </p:txBody>
-      </p:sp>
-      <p:sp>
-        <p:nvSpPr>
-          <p:cNvPr id="6" name="Rounded Rectangle 5"/>
-          <p:cNvSpPr/>
-          <p:nvPr/>
-        </p:nvSpPr>
-        <p:spPr>
-          <a:xfrm>
-            <a:off x="8119769" y="1121384"/>
-            <a:ext cx="1954428" cy="510746"/>
-          </a:xfrm>
-          <a:prstGeom prst="roundRect">
-            <a:avLst/>
-          </a:prstGeom>
-        </p:spPr>
-        <p:style>
-          <a:lnRef idx="2">
-            <a:schemeClr val="accent1">
-              <a:shade val="50000"/>
-            </a:schemeClr>
-          </a:lnRef>
-          <a:fillRef idx="1">
-            <a:schemeClr val="accent1"/>
-          </a:fillRef>
-          <a:effectRef idx="0">
-            <a:schemeClr val="accent1"/>
-          </a:effectRef>
-          <a:fontRef idx="minor">
-            <a:schemeClr val="lt1"/>
-          </a:fontRef>
-        </p:style>
-        <p:txBody>
-          <a:bodyPr rtlCol="0" anchor="ctr"/>
-          <a:lstStyle/>
-          <a:p>
-            <a:pPr algn="ctr"/>
-            <a:r>
-              <a:rPr lang="en-US" dirty="0" smtClean="0"/>
-              <a:t>Data Acquisition Loop</a:t>
-            </a:r>
-            <a:endParaRPr lang="en-US" dirty="0"/>
-          </a:p>
-        </p:txBody>
-      </p:sp>
-      <p:sp>
-        <p:nvSpPr>
-          <p:cNvPr id="7" name="Rounded Rectangle 6"/>
-          <p:cNvSpPr/>
-          <p:nvPr/>
-        </p:nvSpPr>
-        <p:spPr>
-          <a:xfrm>
-            <a:off x="8119769" y="1910286"/>
-            <a:ext cx="1954429" cy="510746"/>
-          </a:xfrm>
-          <a:prstGeom prst="roundRect">
-            <a:avLst/>
-          </a:prstGeom>
-        </p:spPr>
-        <p:style>
-          <a:lnRef idx="2">
-            <a:schemeClr val="accent1">
-              <a:shade val="50000"/>
-            </a:schemeClr>
-          </a:lnRef>
-          <a:fillRef idx="1">
-            <a:schemeClr val="accent1"/>
-          </a:fillRef>
-          <a:effectRef idx="0">
-            <a:schemeClr val="accent1"/>
-          </a:effectRef>
-          <a:fontRef idx="minor">
-            <a:schemeClr val="lt1"/>
-          </a:fontRef>
-        </p:style>
-        <p:txBody>
-          <a:bodyPr rtlCol="0" anchor="ctr"/>
-          <a:lstStyle/>
-          <a:p>
-            <a:pPr algn="ctr"/>
-            <a:r>
-              <a:rPr lang="en-US" dirty="0" smtClean="0"/>
-              <a:t>Processing Loop</a:t>
-            </a:r>
-            <a:endParaRPr lang="en-US" dirty="0"/>
-          </a:p>
-        </p:txBody>
-      </p:sp>
-      <p:sp>
-        <p:nvSpPr>
-          <p:cNvPr id="8" name="Rounded Rectangle 7"/>
-          <p:cNvSpPr/>
-          <p:nvPr/>
-        </p:nvSpPr>
-        <p:spPr>
-          <a:xfrm>
-            <a:off x="8119768" y="2728041"/>
-            <a:ext cx="1954429" cy="510746"/>
-          </a:xfrm>
-          <a:prstGeom prst="roundRect">
-            <a:avLst/>
-          </a:prstGeom>
-          <a:solidFill>
-            <a:schemeClr val="accent2"/>
-          </a:solidFill>
-        </p:spPr>
-        <p:style>
-          <a:lnRef idx="2">
-            <a:schemeClr val="accent1">
-              <a:shade val="50000"/>
-            </a:schemeClr>
-          </a:lnRef>
-          <a:fillRef idx="1">
-            <a:schemeClr val="accent1"/>
-          </a:fillRef>
-          <a:effectRef idx="0">
-            <a:schemeClr val="accent1"/>
-          </a:effectRef>
-          <a:fontRef idx="minor">
-            <a:schemeClr val="lt1"/>
-          </a:fontRef>
-        </p:style>
-        <p:txBody>
-          <a:bodyPr rtlCol="0" anchor="ctr"/>
-          <a:lstStyle/>
-          <a:p>
-            <a:pPr algn="ctr"/>
-            <a:r>
-              <a:rPr lang="en-US" dirty="0" smtClean="0"/>
-              <a:t>Publishing loop Tag Values??</a:t>
-            </a:r>
-            <a:endParaRPr lang="en-US" dirty="0"/>
-          </a:p>
-        </p:txBody>
-      </p:sp>
-      <p:cxnSp>
-        <p:nvCxnSpPr>
-          <p:cNvPr id="9" name="Straight Arrow Connector 8"/>
-          <p:cNvCxnSpPr>
-            <a:stCxn id="6" idx="2"/>
-            <a:endCxn id="7" idx="0"/>
-          </p:cNvCxnSpPr>
-          <p:nvPr/>
-        </p:nvCxnSpPr>
-        <p:spPr>
-          <a:xfrm>
-            <a:off x="9096983" y="1632130"/>
-            <a:ext cx="1" cy="278156"/>
-          </a:xfrm>
-          <a:prstGeom prst="straightConnector1">
-            <a:avLst/>
-          </a:prstGeom>
-          <a:ln>
-            <a:tailEnd type="triangle"/>
-          </a:ln>
-        </p:spPr>
-        <p:style>
-          <a:lnRef idx="1">
-            <a:schemeClr val="accent1"/>
-          </a:lnRef>
-          <a:fillRef idx="0">
-            <a:schemeClr val="accent1"/>
-          </a:fillRef>
-          <a:effectRef idx="0">
-            <a:schemeClr val="accent1"/>
-          </a:effectRef>
-          <a:fontRef idx="minor">
-            <a:schemeClr val="tx1"/>
-          </a:fontRef>
-        </p:style>
-      </p:cxnSp>
-      <p:cxnSp>
-        <p:nvCxnSpPr>
-          <p:cNvPr id="10" name="Straight Arrow Connector 9"/>
-          <p:cNvCxnSpPr>
-            <a:stCxn id="7" idx="2"/>
-          </p:cNvCxnSpPr>
-          <p:nvPr/>
-        </p:nvCxnSpPr>
-        <p:spPr>
-          <a:xfrm>
-            <a:off x="9096984" y="2421032"/>
-            <a:ext cx="1" cy="278156"/>
-          </a:xfrm>
-          <a:prstGeom prst="straightConnector1">
-            <a:avLst/>
-          </a:prstGeom>
-          <a:ln>
-            <a:tailEnd type="triangle"/>
-          </a:ln>
-        </p:spPr>
-        <p:style>
-          <a:lnRef idx="1">
-            <a:schemeClr val="accent1"/>
-          </a:lnRef>
-          <a:fillRef idx="0">
-            <a:schemeClr val="accent1"/>
-          </a:fillRef>
-          <a:effectRef idx="0">
-            <a:schemeClr val="accent1"/>
-          </a:effectRef>
-          <a:fontRef idx="minor">
-            <a:schemeClr val="tx1"/>
-          </a:fontRef>
-        </p:style>
-      </p:cxnSp>
-      <p:sp>
-        <p:nvSpPr>
-          <p:cNvPr id="12" name="Rounded Rectangle 11"/>
-          <p:cNvSpPr/>
-          <p:nvPr/>
-        </p:nvSpPr>
-        <p:spPr>
-          <a:xfrm>
-            <a:off x="8096436" y="3752002"/>
-            <a:ext cx="2199503" cy="551935"/>
-          </a:xfrm>
-          <a:prstGeom prst="roundRect">
-            <a:avLst/>
-          </a:prstGeom>
-        </p:spPr>
-        <p:style>
-          <a:lnRef idx="2">
-            <a:schemeClr val="accent1">
-              <a:shade val="50000"/>
-            </a:schemeClr>
-          </a:lnRef>
-          <a:fillRef idx="1">
-            <a:schemeClr val="accent1"/>
-          </a:fillRef>
-          <a:effectRef idx="0">
-            <a:schemeClr val="accent1"/>
-          </a:effectRef>
-          <a:fontRef idx="minor">
-            <a:schemeClr val="lt1"/>
-          </a:fontRef>
-        </p:style>
-        <p:txBody>
-          <a:bodyPr rtlCol="0" anchor="ctr"/>
-          <a:lstStyle/>
-          <a:p>
-            <a:pPr algn="ctr"/>
-            <a:r>
-              <a:rPr lang="en-US" dirty="0" smtClean="0"/>
-              <a:t>Tag Bus Engine</a:t>
-            </a:r>
-            <a:endParaRPr lang="en-US" dirty="0"/>
-          </a:p>
-        </p:txBody>
-      </p:sp>
-      <p:sp>
-        <p:nvSpPr>
-          <p:cNvPr id="13" name="Rounded Rectangle 12"/>
-          <p:cNvSpPr/>
-          <p:nvPr/>
-        </p:nvSpPr>
-        <p:spPr>
-          <a:xfrm>
-            <a:off x="6617395" y="4759364"/>
-            <a:ext cx="2479589" cy="551936"/>
-          </a:xfrm>
-          <a:prstGeom prst="roundRect">
-            <a:avLst/>
-          </a:prstGeom>
-        </p:spPr>
-        <p:style>
-          <a:lnRef idx="2">
-            <a:schemeClr val="accent1">
-              <a:shade val="50000"/>
-            </a:schemeClr>
-          </a:lnRef>
-          <a:fillRef idx="1">
-            <a:schemeClr val="accent1"/>
-          </a:fillRef>
-          <a:effectRef idx="0">
-            <a:schemeClr val="accent1"/>
-          </a:effectRef>
-          <a:fontRef idx="minor">
-            <a:schemeClr val="lt1"/>
-          </a:fontRef>
-        </p:style>
-        <p:txBody>
-          <a:bodyPr rtlCol="0" anchor="ctr"/>
-          <a:lstStyle/>
-          <a:p>
-            <a:pPr algn="ctr"/>
-            <a:r>
-              <a:rPr lang="en-US" dirty="0" smtClean="0"/>
-              <a:t>Modbus Module</a:t>
-            </a:r>
-            <a:endParaRPr lang="en-US" dirty="0"/>
-          </a:p>
-        </p:txBody>
-      </p:sp>
-      <p:sp>
-        <p:nvSpPr>
-          <p:cNvPr id="14" name="Rounded Rectangle 13"/>
-          <p:cNvSpPr/>
-          <p:nvPr/>
-        </p:nvSpPr>
-        <p:spPr>
-          <a:xfrm>
-            <a:off x="9364715" y="4784078"/>
-            <a:ext cx="2479589" cy="551935"/>
-          </a:xfrm>
-          <a:prstGeom prst="roundRect">
-            <a:avLst/>
-          </a:prstGeom>
-        </p:spPr>
-        <p:style>
-          <a:lnRef idx="2">
-            <a:schemeClr val="accent1">
-              <a:shade val="50000"/>
-            </a:schemeClr>
-          </a:lnRef>
-          <a:fillRef idx="1">
-            <a:schemeClr val="accent1"/>
-          </a:fillRef>
-          <a:effectRef idx="0">
-            <a:schemeClr val="accent1"/>
-          </a:effectRef>
-          <a:fontRef idx="minor">
-            <a:schemeClr val="lt1"/>
-          </a:fontRef>
-        </p:style>
-        <p:txBody>
-          <a:bodyPr rtlCol="0" anchor="ctr"/>
-          <a:lstStyle/>
-          <a:p>
-            <a:pPr algn="ctr"/>
-            <a:r>
-              <a:rPr lang="en-US" dirty="0" smtClean="0"/>
-              <a:t>TDMs Module</a:t>
-            </a:r>
-            <a:endParaRPr lang="en-US" dirty="0"/>
-          </a:p>
-        </p:txBody>
-      </p:sp>
-      <p:cxnSp>
-        <p:nvCxnSpPr>
-          <p:cNvPr id="15" name="Straight Arrow Connector 14"/>
-          <p:cNvCxnSpPr/>
-          <p:nvPr/>
-        </p:nvCxnSpPr>
-        <p:spPr>
-          <a:xfrm>
-            <a:off x="9188606" y="3260030"/>
-            <a:ext cx="7581" cy="491972"/>
-          </a:xfrm>
-          <a:prstGeom prst="straightConnector1">
-            <a:avLst/>
-          </a:prstGeom>
-          <a:ln w="47625">
-            <a:solidFill>
-              <a:schemeClr val="tx1"/>
-            </a:solidFill>
-            <a:headEnd type="triangle"/>
-            <a:tailEnd type="triangle"/>
-          </a:ln>
-        </p:spPr>
-        <p:style>
-          <a:lnRef idx="1">
-            <a:schemeClr val="accent1"/>
-          </a:lnRef>
-          <a:fillRef idx="0">
-            <a:schemeClr val="accent1"/>
-          </a:fillRef>
-          <a:effectRef idx="0">
-            <a:schemeClr val="accent1"/>
-          </a:effectRef>
-          <a:fontRef idx="minor">
-            <a:schemeClr val="tx1"/>
-          </a:fontRef>
-        </p:style>
-      </p:cxnSp>
-      <p:cxnSp>
-        <p:nvCxnSpPr>
-          <p:cNvPr id="16" name="Straight Arrow Connector 15"/>
-          <p:cNvCxnSpPr/>
-          <p:nvPr/>
-        </p:nvCxnSpPr>
-        <p:spPr>
-          <a:xfrm>
-            <a:off x="8486078" y="4296540"/>
-            <a:ext cx="17782" cy="462824"/>
-          </a:xfrm>
-          <a:prstGeom prst="straightConnector1">
-            <a:avLst/>
-          </a:prstGeom>
-          <a:ln w="47625">
-            <a:solidFill>
-              <a:schemeClr val="tx1"/>
-            </a:solidFill>
-            <a:headEnd type="triangle"/>
-            <a:tailEnd type="triangle"/>
-          </a:ln>
-        </p:spPr>
-        <p:style>
-          <a:lnRef idx="1">
-            <a:schemeClr val="accent1"/>
-          </a:lnRef>
-          <a:fillRef idx="0">
-            <a:schemeClr val="accent1"/>
-          </a:fillRef>
-          <a:effectRef idx="0">
-            <a:schemeClr val="accent1"/>
-          </a:effectRef>
-          <a:fontRef idx="minor">
-            <a:schemeClr val="tx1"/>
-          </a:fontRef>
-        </p:style>
-      </p:cxnSp>
-      <p:cxnSp>
-        <p:nvCxnSpPr>
-          <p:cNvPr id="17" name="Straight Arrow Connector 16"/>
-          <p:cNvCxnSpPr/>
-          <p:nvPr/>
-        </p:nvCxnSpPr>
-        <p:spPr>
-          <a:xfrm>
-            <a:off x="9972350" y="4291580"/>
-            <a:ext cx="7239" cy="492498"/>
-          </a:xfrm>
-          <a:prstGeom prst="straightConnector1">
-            <a:avLst/>
-          </a:prstGeom>
-          <a:ln w="47625">
-            <a:solidFill>
-              <a:schemeClr val="tx1"/>
-            </a:solidFill>
-            <a:headEnd type="triangle"/>
-            <a:tailEnd type="triangle"/>
-          </a:ln>
-        </p:spPr>
-        <p:style>
-          <a:lnRef idx="1">
-            <a:schemeClr val="accent1"/>
-          </a:lnRef>
-          <a:fillRef idx="0">
-            <a:schemeClr val="accent1"/>
-          </a:fillRef>
-          <a:effectRef idx="0">
-            <a:schemeClr val="accent1"/>
-          </a:effectRef>
-          <a:fontRef idx="minor">
-            <a:schemeClr val="tx1"/>
-          </a:fontRef>
-        </p:style>
-      </p:cxnSp>
+            <a:endParaRPr lang="en-US"/>
+          </a:p>
+        </p:txBody>
+      </p:sp>
     </p:spTree>
     <p:extLst>
       <p:ext uri="{BB962C8B-B14F-4D97-AF65-F5344CB8AC3E}">
-        <p14:creationId xmlns:p14="http://schemas.microsoft.com/office/powerpoint/2010/main" val="4250558140"/>
+        <p14:creationId xmlns:p14="http://schemas.microsoft.com/office/powerpoint/2010/main" val="3381021467"/>
       </p:ext>
     </p:extLst>
   </p:cSld>
@@ -10432,7 +10942,7 @@
       </p:grpSpPr>
       <p:sp>
         <p:nvSpPr>
-          <p:cNvPr id="2" name="Title 1"/>
+          <p:cNvPr id="4" name="Title 3"/>
           <p:cNvSpPr>
             <a:spLocks noGrp="1"/>
           </p:cNvSpPr>
@@ -10447,7 +10957,7 @@
           <a:p>
             <a:r>
               <a:rPr lang="en-US" dirty="0" smtClean="0"/>
-              <a:t>Project Templates</a:t>
+              <a:t>When to use tag bus framework</a:t>
             </a:r>
             <a:endParaRPr lang="en-US" dirty="0"/>
           </a:p>
@@ -10455,7 +10965,7 @@
       </p:sp>
       <p:sp>
         <p:nvSpPr>
-          <p:cNvPr id="3" name="Content Placeholder 2"/>
+          <p:cNvPr id="5" name="Content Placeholder 4"/>
           <p:cNvSpPr>
             <a:spLocks noGrp="1"/>
           </p:cNvSpPr>
@@ -10470,86 +10980,517 @@
           <a:p>
             <a:r>
               <a:rPr lang="en-US" dirty="0" smtClean="0"/>
-              <a:t>We have project templates for:</a:t>
-            </a:r>
-          </a:p>
-          <a:p>
-            <a:r>
-              <a:rPr lang="en-US" dirty="0" smtClean="0"/>
-              <a:t>Modules</a:t>
-            </a:r>
-          </a:p>
-          <a:p>
-            <a:pPr lvl="1"/>
-            <a:r>
-              <a:rPr lang="en-US" dirty="0" smtClean="0"/>
-              <a:t>I/O Modules</a:t>
-            </a:r>
-          </a:p>
-          <a:p>
-            <a:pPr lvl="1"/>
-            <a:r>
-              <a:rPr lang="en-US" dirty="0" smtClean="0"/>
-              <a:t>User Control Modules</a:t>
-            </a:r>
-          </a:p>
-          <a:p>
-            <a:r>
-              <a:rPr lang="en-US" dirty="0" smtClean="0"/>
-              <a:t>Engines </a:t>
-            </a:r>
-          </a:p>
-          <a:p>
-            <a:pPr lvl="1"/>
-            <a:r>
-              <a:rPr lang="en-US" dirty="0" smtClean="0"/>
-              <a:t>Basic Execution Template</a:t>
-            </a:r>
-          </a:p>
-          <a:p>
-            <a:pPr lvl="1"/>
-            <a:r>
-              <a:rPr lang="en-US" dirty="0" smtClean="0"/>
-              <a:t>TBD Execution Service</a:t>
-            </a:r>
-          </a:p>
-          <a:p>
-            <a:r>
-              <a:rPr lang="en-US" dirty="0" smtClean="0"/>
-              <a:t>Editor</a:t>
-            </a:r>
+              <a:t>Tag </a:t>
+            </a:r>
+            <a:r>
+              <a:rPr lang="en-US" dirty="0"/>
+              <a:t>b</a:t>
+            </a:r>
+            <a:r>
+              <a:rPr lang="en-US" dirty="0" smtClean="0"/>
+              <a:t>ased applications</a:t>
+            </a:r>
+          </a:p>
+          <a:p>
+            <a:r>
+              <a:rPr lang="en-US" dirty="0" smtClean="0"/>
+              <a:t>Want to reuse modules already created</a:t>
+            </a:r>
+          </a:p>
+          <a:p>
+            <a:r>
+              <a:rPr lang="en-US" dirty="0" smtClean="0"/>
+              <a:t>I/O </a:t>
+            </a:r>
+            <a:r>
+              <a:rPr lang="en-US" dirty="0"/>
+              <a:t>a</a:t>
+            </a:r>
+            <a:r>
+              <a:rPr lang="en-US" dirty="0" smtClean="0"/>
+              <a:t>bstraction layer</a:t>
+            </a:r>
+          </a:p>
+          <a:p>
+            <a:r>
+              <a:rPr lang="en-US" dirty="0" smtClean="0"/>
+              <a:t>Need configuration</a:t>
+            </a:r>
+          </a:p>
+          <a:p>
+            <a:r>
+              <a:rPr lang="en-US" dirty="0" smtClean="0"/>
+              <a:t>Machine control</a:t>
+            </a:r>
+          </a:p>
+          <a:p>
+            <a:r>
+              <a:rPr lang="en-US" dirty="0"/>
+              <a:t>S</a:t>
+            </a:r>
+            <a:r>
+              <a:rPr lang="en-US" dirty="0" smtClean="0"/>
+              <a:t>ystem automation</a:t>
+            </a:r>
+          </a:p>
+          <a:p>
             <a:endParaRPr lang="en-US" dirty="0"/>
           </a:p>
         </p:txBody>
       </p:sp>
-      <p:pic>
-        <p:nvPicPr>
-          <p:cNvPr id="4" name="Picture 3"/>
-          <p:cNvPicPr>
-            <a:picLocks noChangeAspect="1"/>
-          </p:cNvPicPr>
+      <p:sp>
+        <p:nvSpPr>
+          <p:cNvPr id="6" name="Rounded Rectangle 5"/>
+          <p:cNvSpPr/>
           <p:nvPr/>
-        </p:nvPicPr>
-        <p:blipFill>
-          <a:blip r:embed="rId2"/>
-          <a:stretch>
-            <a:fillRect/>
-          </a:stretch>
-        </p:blipFill>
-        <p:spPr>
-          <a:xfrm>
-            <a:off x="5387308" y="1283009"/>
-            <a:ext cx="6034559" cy="4801846"/>
-          </a:xfrm>
-          <a:prstGeom prst="rect">
-            <a:avLst/>
-          </a:prstGeom>
-        </p:spPr>
-      </p:pic>
+        </p:nvSpPr>
+        <p:spPr>
+          <a:xfrm>
+            <a:off x="8119769" y="1121384"/>
+            <a:ext cx="1954428" cy="510746"/>
+          </a:xfrm>
+          <a:prstGeom prst="roundRect">
+            <a:avLst/>
+          </a:prstGeom>
+        </p:spPr>
+        <p:style>
+          <a:lnRef idx="2">
+            <a:schemeClr val="accent1">
+              <a:shade val="50000"/>
+            </a:schemeClr>
+          </a:lnRef>
+          <a:fillRef idx="1">
+            <a:schemeClr val="accent1"/>
+          </a:fillRef>
+          <a:effectRef idx="0">
+            <a:schemeClr val="accent1"/>
+          </a:effectRef>
+          <a:fontRef idx="minor">
+            <a:schemeClr val="lt1"/>
+          </a:fontRef>
+        </p:style>
+        <p:txBody>
+          <a:bodyPr rtlCol="0" anchor="ctr"/>
+          <a:lstStyle/>
+          <a:p>
+            <a:pPr algn="ctr"/>
+            <a:r>
+              <a:rPr lang="en-US" dirty="0" smtClean="0"/>
+              <a:t>Data Acquisition Loop</a:t>
+            </a:r>
+            <a:endParaRPr lang="en-US" dirty="0"/>
+          </a:p>
+        </p:txBody>
+      </p:sp>
+      <p:sp>
+        <p:nvSpPr>
+          <p:cNvPr id="7" name="Rounded Rectangle 6"/>
+          <p:cNvSpPr/>
+          <p:nvPr/>
+        </p:nvSpPr>
+        <p:spPr>
+          <a:xfrm>
+            <a:off x="8119769" y="1910286"/>
+            <a:ext cx="1954429" cy="510746"/>
+          </a:xfrm>
+          <a:prstGeom prst="roundRect">
+            <a:avLst/>
+          </a:prstGeom>
+        </p:spPr>
+        <p:style>
+          <a:lnRef idx="2">
+            <a:schemeClr val="accent1">
+              <a:shade val="50000"/>
+            </a:schemeClr>
+          </a:lnRef>
+          <a:fillRef idx="1">
+            <a:schemeClr val="accent1"/>
+          </a:fillRef>
+          <a:effectRef idx="0">
+            <a:schemeClr val="accent1"/>
+          </a:effectRef>
+          <a:fontRef idx="minor">
+            <a:schemeClr val="lt1"/>
+          </a:fontRef>
+        </p:style>
+        <p:txBody>
+          <a:bodyPr rtlCol="0" anchor="ctr"/>
+          <a:lstStyle/>
+          <a:p>
+            <a:pPr algn="ctr"/>
+            <a:r>
+              <a:rPr lang="en-US" dirty="0" smtClean="0"/>
+              <a:t>Processing Loop</a:t>
+            </a:r>
+            <a:endParaRPr lang="en-US" dirty="0"/>
+          </a:p>
+        </p:txBody>
+      </p:sp>
+      <p:sp>
+        <p:nvSpPr>
+          <p:cNvPr id="8" name="Rounded Rectangle 7"/>
+          <p:cNvSpPr/>
+          <p:nvPr/>
+        </p:nvSpPr>
+        <p:spPr>
+          <a:xfrm>
+            <a:off x="8119768" y="2728041"/>
+            <a:ext cx="1954429" cy="510746"/>
+          </a:xfrm>
+          <a:prstGeom prst="roundRect">
+            <a:avLst/>
+          </a:prstGeom>
+          <a:solidFill>
+            <a:schemeClr val="accent2"/>
+          </a:solidFill>
+        </p:spPr>
+        <p:style>
+          <a:lnRef idx="2">
+            <a:schemeClr val="accent1">
+              <a:shade val="50000"/>
+            </a:schemeClr>
+          </a:lnRef>
+          <a:fillRef idx="1">
+            <a:schemeClr val="accent1"/>
+          </a:fillRef>
+          <a:effectRef idx="0">
+            <a:schemeClr val="accent1"/>
+          </a:effectRef>
+          <a:fontRef idx="minor">
+            <a:schemeClr val="lt1"/>
+          </a:fontRef>
+        </p:style>
+        <p:txBody>
+          <a:bodyPr rtlCol="0" anchor="ctr"/>
+          <a:lstStyle/>
+          <a:p>
+            <a:pPr algn="ctr"/>
+            <a:r>
+              <a:rPr lang="en-US" dirty="0" smtClean="0"/>
+              <a:t>Publishing loop Tag Values??</a:t>
+            </a:r>
+            <a:endParaRPr lang="en-US" dirty="0"/>
+          </a:p>
+        </p:txBody>
+      </p:sp>
+      <p:cxnSp>
+        <p:nvCxnSpPr>
+          <p:cNvPr id="9" name="Straight Arrow Connector 8"/>
+          <p:cNvCxnSpPr>
+            <a:stCxn id="6" idx="2"/>
+            <a:endCxn id="7" idx="0"/>
+          </p:cNvCxnSpPr>
+          <p:nvPr/>
+        </p:nvCxnSpPr>
+        <p:spPr>
+          <a:xfrm>
+            <a:off x="9096983" y="1632130"/>
+            <a:ext cx="1" cy="278156"/>
+          </a:xfrm>
+          <a:prstGeom prst="straightConnector1">
+            <a:avLst/>
+          </a:prstGeom>
+          <a:ln>
+            <a:tailEnd type="triangle"/>
+          </a:ln>
+        </p:spPr>
+        <p:style>
+          <a:lnRef idx="1">
+            <a:schemeClr val="accent1"/>
+          </a:lnRef>
+          <a:fillRef idx="0">
+            <a:schemeClr val="accent1"/>
+          </a:fillRef>
+          <a:effectRef idx="0">
+            <a:schemeClr val="accent1"/>
+          </a:effectRef>
+          <a:fontRef idx="minor">
+            <a:schemeClr val="tx1"/>
+          </a:fontRef>
+        </p:style>
+      </p:cxnSp>
+      <p:cxnSp>
+        <p:nvCxnSpPr>
+          <p:cNvPr id="10" name="Straight Arrow Connector 9"/>
+          <p:cNvCxnSpPr>
+            <a:stCxn id="7" idx="2"/>
+          </p:cNvCxnSpPr>
+          <p:nvPr/>
+        </p:nvCxnSpPr>
+        <p:spPr>
+          <a:xfrm>
+            <a:off x="9096984" y="2421032"/>
+            <a:ext cx="1" cy="278156"/>
+          </a:xfrm>
+          <a:prstGeom prst="straightConnector1">
+            <a:avLst/>
+          </a:prstGeom>
+          <a:ln>
+            <a:tailEnd type="triangle"/>
+          </a:ln>
+        </p:spPr>
+        <p:style>
+          <a:lnRef idx="1">
+            <a:schemeClr val="accent1"/>
+          </a:lnRef>
+          <a:fillRef idx="0">
+            <a:schemeClr val="accent1"/>
+          </a:fillRef>
+          <a:effectRef idx="0">
+            <a:schemeClr val="accent1"/>
+          </a:effectRef>
+          <a:fontRef idx="minor">
+            <a:schemeClr val="tx1"/>
+          </a:fontRef>
+        </p:style>
+      </p:cxnSp>
+      <p:sp>
+        <p:nvSpPr>
+          <p:cNvPr id="12" name="Rounded Rectangle 11"/>
+          <p:cNvSpPr/>
+          <p:nvPr/>
+        </p:nvSpPr>
+        <p:spPr>
+          <a:xfrm>
+            <a:off x="8096436" y="3752002"/>
+            <a:ext cx="2199503" cy="551935"/>
+          </a:xfrm>
+          <a:prstGeom prst="roundRect">
+            <a:avLst/>
+          </a:prstGeom>
+        </p:spPr>
+        <p:style>
+          <a:lnRef idx="2">
+            <a:schemeClr val="accent1">
+              <a:shade val="50000"/>
+            </a:schemeClr>
+          </a:lnRef>
+          <a:fillRef idx="1">
+            <a:schemeClr val="accent1"/>
+          </a:fillRef>
+          <a:effectRef idx="0">
+            <a:schemeClr val="accent1"/>
+          </a:effectRef>
+          <a:fontRef idx="minor">
+            <a:schemeClr val="lt1"/>
+          </a:fontRef>
+        </p:style>
+        <p:txBody>
+          <a:bodyPr rtlCol="0" anchor="ctr"/>
+          <a:lstStyle/>
+          <a:p>
+            <a:pPr algn="ctr"/>
+            <a:r>
+              <a:rPr lang="en-US" dirty="0" smtClean="0"/>
+              <a:t>Tag Bus Engine</a:t>
+            </a:r>
+            <a:endParaRPr lang="en-US" dirty="0"/>
+          </a:p>
+        </p:txBody>
+      </p:sp>
+      <p:sp>
+        <p:nvSpPr>
+          <p:cNvPr id="13" name="Rounded Rectangle 12"/>
+          <p:cNvSpPr/>
+          <p:nvPr/>
+        </p:nvSpPr>
+        <p:spPr>
+          <a:xfrm>
+            <a:off x="6617395" y="4759364"/>
+            <a:ext cx="2479589" cy="551936"/>
+          </a:xfrm>
+          <a:prstGeom prst="roundRect">
+            <a:avLst/>
+          </a:prstGeom>
+        </p:spPr>
+        <p:style>
+          <a:lnRef idx="2">
+            <a:schemeClr val="accent1">
+              <a:shade val="50000"/>
+            </a:schemeClr>
+          </a:lnRef>
+          <a:fillRef idx="1">
+            <a:schemeClr val="accent1"/>
+          </a:fillRef>
+          <a:effectRef idx="0">
+            <a:schemeClr val="accent1"/>
+          </a:effectRef>
+          <a:fontRef idx="minor">
+            <a:schemeClr val="lt1"/>
+          </a:fontRef>
+        </p:style>
+        <p:txBody>
+          <a:bodyPr rtlCol="0" anchor="ctr"/>
+          <a:lstStyle/>
+          <a:p>
+            <a:pPr algn="ctr"/>
+            <a:r>
+              <a:rPr lang="en-US" dirty="0" smtClean="0"/>
+              <a:t>Modbus Module</a:t>
+            </a:r>
+            <a:endParaRPr lang="en-US" dirty="0"/>
+          </a:p>
+        </p:txBody>
+      </p:sp>
+      <p:sp>
+        <p:nvSpPr>
+          <p:cNvPr id="14" name="Rounded Rectangle 13"/>
+          <p:cNvSpPr/>
+          <p:nvPr/>
+        </p:nvSpPr>
+        <p:spPr>
+          <a:xfrm>
+            <a:off x="9364715" y="4784078"/>
+            <a:ext cx="2479589" cy="551935"/>
+          </a:xfrm>
+          <a:prstGeom prst="roundRect">
+            <a:avLst/>
+          </a:prstGeom>
+        </p:spPr>
+        <p:style>
+          <a:lnRef idx="2">
+            <a:schemeClr val="accent1">
+              <a:shade val="50000"/>
+            </a:schemeClr>
+          </a:lnRef>
+          <a:fillRef idx="1">
+            <a:schemeClr val="accent1"/>
+          </a:fillRef>
+          <a:effectRef idx="0">
+            <a:schemeClr val="accent1"/>
+          </a:effectRef>
+          <a:fontRef idx="minor">
+            <a:schemeClr val="lt1"/>
+          </a:fontRef>
+        </p:style>
+        <p:txBody>
+          <a:bodyPr rtlCol="0" anchor="ctr"/>
+          <a:lstStyle/>
+          <a:p>
+            <a:pPr algn="ctr"/>
+            <a:r>
+              <a:rPr lang="en-US" dirty="0" smtClean="0"/>
+              <a:t>TDMs Module</a:t>
+            </a:r>
+            <a:endParaRPr lang="en-US" dirty="0"/>
+          </a:p>
+        </p:txBody>
+      </p:sp>
+      <p:cxnSp>
+        <p:nvCxnSpPr>
+          <p:cNvPr id="15" name="Straight Arrow Connector 14"/>
+          <p:cNvCxnSpPr/>
+          <p:nvPr/>
+        </p:nvCxnSpPr>
+        <p:spPr>
+          <a:xfrm>
+            <a:off x="9188606" y="3260030"/>
+            <a:ext cx="7581" cy="491972"/>
+          </a:xfrm>
+          <a:prstGeom prst="straightConnector1">
+            <a:avLst/>
+          </a:prstGeom>
+          <a:ln w="47625">
+            <a:solidFill>
+              <a:schemeClr val="tx1"/>
+            </a:solidFill>
+            <a:headEnd type="triangle"/>
+            <a:tailEnd type="triangle"/>
+          </a:ln>
+        </p:spPr>
+        <p:style>
+          <a:lnRef idx="1">
+            <a:schemeClr val="accent1"/>
+          </a:lnRef>
+          <a:fillRef idx="0">
+            <a:schemeClr val="accent1"/>
+          </a:fillRef>
+          <a:effectRef idx="0">
+            <a:schemeClr val="accent1"/>
+          </a:effectRef>
+          <a:fontRef idx="minor">
+            <a:schemeClr val="tx1"/>
+          </a:fontRef>
+        </p:style>
+      </p:cxnSp>
+      <p:cxnSp>
+        <p:nvCxnSpPr>
+          <p:cNvPr id="16" name="Straight Arrow Connector 15"/>
+          <p:cNvCxnSpPr/>
+          <p:nvPr/>
+        </p:nvCxnSpPr>
+        <p:spPr>
+          <a:xfrm>
+            <a:off x="8486078" y="4296540"/>
+            <a:ext cx="17782" cy="462824"/>
+          </a:xfrm>
+          <a:prstGeom prst="straightConnector1">
+            <a:avLst/>
+          </a:prstGeom>
+          <a:ln w="47625">
+            <a:solidFill>
+              <a:schemeClr val="tx1"/>
+            </a:solidFill>
+            <a:headEnd type="triangle"/>
+            <a:tailEnd type="triangle"/>
+          </a:ln>
+        </p:spPr>
+        <p:style>
+          <a:lnRef idx="1">
+            <a:schemeClr val="accent1"/>
+          </a:lnRef>
+          <a:fillRef idx="0">
+            <a:schemeClr val="accent1"/>
+          </a:fillRef>
+          <a:effectRef idx="0">
+            <a:schemeClr val="accent1"/>
+          </a:effectRef>
+          <a:fontRef idx="minor">
+            <a:schemeClr val="tx1"/>
+          </a:fontRef>
+        </p:style>
+      </p:cxnSp>
+      <p:cxnSp>
+        <p:nvCxnSpPr>
+          <p:cNvPr id="17" name="Straight Arrow Connector 16"/>
+          <p:cNvCxnSpPr/>
+          <p:nvPr/>
+        </p:nvCxnSpPr>
+        <p:spPr>
+          <a:xfrm>
+            <a:off x="9972350" y="4291580"/>
+            <a:ext cx="7239" cy="492498"/>
+          </a:xfrm>
+          <a:prstGeom prst="straightConnector1">
+            <a:avLst/>
+          </a:prstGeom>
+          <a:ln w="47625">
+            <a:solidFill>
+              <a:schemeClr val="tx1"/>
+            </a:solidFill>
+            <a:headEnd type="triangle"/>
+            <a:tailEnd type="triangle"/>
+          </a:ln>
+        </p:spPr>
+        <p:style>
+          <a:lnRef idx="1">
+            <a:schemeClr val="accent1"/>
+          </a:lnRef>
+          <a:fillRef idx="0">
+            <a:schemeClr val="accent1"/>
+          </a:fillRef>
+          <a:effectRef idx="0">
+            <a:schemeClr val="accent1"/>
+          </a:effectRef>
+          <a:fontRef idx="minor">
+            <a:schemeClr val="tx1"/>
+          </a:fontRef>
+        </p:style>
+      </p:cxnSp>
     </p:spTree>
     <p:extLst>
       <p:ext uri="{BB962C8B-B14F-4D97-AF65-F5344CB8AC3E}">
-        <p14:creationId xmlns:p14="http://schemas.microsoft.com/office/powerpoint/2010/main" val="1614788563"/>
+        <p14:creationId xmlns:p14="http://schemas.microsoft.com/office/powerpoint/2010/main" val="4250558140"/>
       </p:ext>
     </p:extLst>
   </p:cSld>
@@ -10595,14 +11536,12 @@
         </p:nvSpPr>
         <p:spPr/>
         <p:txBody>
-          <a:bodyPr>
-            <a:normAutofit/>
-          </a:bodyPr>
+          <a:bodyPr/>
           <a:lstStyle/>
           <a:p>
             <a:r>
               <a:rPr lang="en-US" dirty="0" smtClean="0"/>
-              <a:t>Include VI</a:t>
+              <a:t>Project Templates</a:t>
             </a:r>
             <a:endParaRPr lang="en-US" dirty="0"/>
           </a:p>
@@ -10625,24 +11564,86 @@
           <a:p>
             <a:r>
               <a:rPr lang="en-US" dirty="0" smtClean="0"/>
-              <a:t>Trick to make deployment easier to RT targets</a:t>
-            </a:r>
-          </a:p>
-          <a:p>
-            <a:r>
-              <a:rPr lang="en-US" dirty="0" smtClean="0"/>
-              <a:t>Scripting utility to create this VI</a:t>
-            </a:r>
-          </a:p>
-          <a:p>
+              <a:t>We have project templates for:</a:t>
+            </a:r>
+          </a:p>
+          <a:p>
+            <a:r>
+              <a:rPr lang="en-US" dirty="0" smtClean="0"/>
+              <a:t>Modules</a:t>
+            </a:r>
+          </a:p>
+          <a:p>
+            <a:pPr lvl="1"/>
+            <a:r>
+              <a:rPr lang="en-US" dirty="0" smtClean="0"/>
+              <a:t>I/O Modules</a:t>
+            </a:r>
+          </a:p>
+          <a:p>
+            <a:pPr lvl="1"/>
+            <a:r>
+              <a:rPr lang="en-US" dirty="0" smtClean="0"/>
+              <a:t>User Control Modules</a:t>
+            </a:r>
+          </a:p>
+          <a:p>
+            <a:r>
+              <a:rPr lang="en-US" dirty="0" smtClean="0"/>
+              <a:t>Engines </a:t>
+            </a:r>
+          </a:p>
+          <a:p>
+            <a:pPr lvl="1"/>
+            <a:r>
+              <a:rPr lang="en-US" dirty="0" smtClean="0"/>
+              <a:t>Basic Execution Template</a:t>
+            </a:r>
+          </a:p>
+          <a:p>
+            <a:pPr lvl="1"/>
+            <a:r>
+              <a:rPr lang="en-US" dirty="0" smtClean="0"/>
+              <a:t>TBD Execution Service</a:t>
+            </a:r>
+          </a:p>
+          <a:p>
+            <a:r>
+              <a:rPr lang="en-US" dirty="0" smtClean="0"/>
+              <a:t>Editor</a:t>
+            </a:r>
             <a:endParaRPr lang="en-US" dirty="0"/>
           </a:p>
         </p:txBody>
       </p:sp>
+      <p:pic>
+        <p:nvPicPr>
+          <p:cNvPr id="4" name="Picture 3"/>
+          <p:cNvPicPr>
+            <a:picLocks noChangeAspect="1"/>
+          </p:cNvPicPr>
+          <p:nvPr/>
+        </p:nvPicPr>
+        <p:blipFill>
+          <a:blip r:embed="rId2"/>
+          <a:stretch>
+            <a:fillRect/>
+          </a:stretch>
+        </p:blipFill>
+        <p:spPr>
+          <a:xfrm>
+            <a:off x="5387308" y="1283009"/>
+            <a:ext cx="6034559" cy="4801846"/>
+          </a:xfrm>
+          <a:prstGeom prst="rect">
+            <a:avLst/>
+          </a:prstGeom>
+        </p:spPr>
+      </p:pic>
     </p:spTree>
     <p:extLst>
       <p:ext uri="{BB962C8B-B14F-4D97-AF65-F5344CB8AC3E}">
-        <p14:creationId xmlns:p14="http://schemas.microsoft.com/office/powerpoint/2010/main" val="1719456724"/>
+        <p14:creationId xmlns:p14="http://schemas.microsoft.com/office/powerpoint/2010/main" val="1614788563"/>
       </p:ext>
     </p:extLst>
   </p:cSld>
@@ -10688,47 +11689,54 @@
         </p:nvSpPr>
         <p:spPr/>
         <p:txBody>
-          <a:bodyPr/>
+          <a:bodyPr>
+            <a:normAutofit/>
+          </a:bodyPr>
           <a:lstStyle/>
           <a:p>
             <a:r>
               <a:rPr lang="en-US" dirty="0" smtClean="0"/>
-              <a:t>Module Scripting</a:t>
+              <a:t>Include VI</a:t>
             </a:r>
             <a:endParaRPr lang="en-US" dirty="0"/>
           </a:p>
         </p:txBody>
       </p:sp>
-      <p:pic>
-        <p:nvPicPr>
-          <p:cNvPr id="4" name="Content Placeholder 3"/>
-          <p:cNvPicPr>
-            <a:picLocks noGrp="1" noChangeAspect="1"/>
-          </p:cNvPicPr>
+      <p:sp>
+        <p:nvSpPr>
+          <p:cNvPr id="3" name="Content Placeholder 2"/>
+          <p:cNvSpPr>
+            <a:spLocks noGrp="1"/>
+          </p:cNvSpPr>
           <p:nvPr>
             <p:ph idx="1"/>
           </p:nvPr>
-        </p:nvPicPr>
-        <p:blipFill>
-          <a:blip r:embed="rId2"/>
-          <a:stretch>
-            <a:fillRect/>
-          </a:stretch>
-        </p:blipFill>
-        <p:spPr>
-          <a:xfrm>
-            <a:off x="1192870" y="2454545"/>
-            <a:ext cx="10144125" cy="3352800"/>
-          </a:xfrm>
-          <a:prstGeom prst="rect">
-            <a:avLst/>
-          </a:prstGeom>
-        </p:spPr>
-      </p:pic>
+        </p:nvSpPr>
+        <p:spPr/>
+        <p:txBody>
+          <a:bodyPr/>
+          <a:lstStyle/>
+          <a:p>
+            <a:r>
+              <a:rPr lang="en-US" dirty="0" smtClean="0"/>
+              <a:t>Trick to make deployment easier to RT targets</a:t>
+            </a:r>
+          </a:p>
+          <a:p>
+            <a:r>
+              <a:rPr lang="en-US" dirty="0" smtClean="0"/>
+              <a:t>Scripting utility to create this VI</a:t>
+            </a:r>
+          </a:p>
+          <a:p>
+            <a:endParaRPr lang="en-US" dirty="0"/>
+          </a:p>
+        </p:txBody>
+      </p:sp>
     </p:spTree>
     <p:extLst>
       <p:ext uri="{BB962C8B-B14F-4D97-AF65-F5344CB8AC3E}">
-        <p14:creationId xmlns:p14="http://schemas.microsoft.com/office/powerpoint/2010/main" val="3558501852"/>
+        <p14:creationId xmlns:p14="http://schemas.microsoft.com/office/powerpoint/2010/main" val="1719456724"/>
       </p:ext>
     </p:extLst>
   </p:cSld>
@@ -10779,59 +11787,21 @@
           <a:p>
             <a:r>
               <a:rPr lang="en-US" dirty="0" smtClean="0"/>
-              <a:t>GitHub</a:t>
+              <a:t>Module Scripting</a:t>
             </a:r>
             <a:endParaRPr lang="en-US" dirty="0"/>
           </a:p>
         </p:txBody>
       </p:sp>
-      <p:sp>
-        <p:nvSpPr>
-          <p:cNvPr id="3" name="Content Placeholder 2"/>
-          <p:cNvSpPr>
-            <a:spLocks noGrp="1"/>
-          </p:cNvSpPr>
+      <p:pic>
+        <p:nvPicPr>
+          <p:cNvPr id="4" name="Content Placeholder 3"/>
+          <p:cNvPicPr>
+            <a:picLocks noGrp="1" noChangeAspect="1"/>
+          </p:cNvPicPr>
           <p:nvPr>
             <p:ph idx="1"/>
           </p:nvPr>
-        </p:nvSpPr>
-        <p:spPr/>
-        <p:txBody>
-          <a:bodyPr/>
-          <a:lstStyle/>
-          <a:p>
-            <a:r>
-              <a:rPr lang="en-US" dirty="0" smtClean="0"/>
-              <a:t>Collaboration</a:t>
-            </a:r>
-          </a:p>
-          <a:p>
-            <a:r>
-              <a:rPr lang="en-US" dirty="0" smtClean="0"/>
-              <a:t>Issue tracking</a:t>
-            </a:r>
-          </a:p>
-          <a:p>
-            <a:r>
-              <a:rPr lang="en-US" dirty="0" smtClean="0"/>
-              <a:t>Open Source Code</a:t>
-            </a:r>
-          </a:p>
-          <a:p>
-            <a:endParaRPr lang="en-US" dirty="0" smtClean="0"/>
-          </a:p>
-          <a:p>
-            <a:endParaRPr lang="en-US" dirty="0"/>
-          </a:p>
-        </p:txBody>
-      </p:sp>
-      <p:pic>
-        <p:nvPicPr>
-          <p:cNvPr id="5" name="Picture 4"/>
-          <p:cNvPicPr>
-            <a:picLocks noChangeAspect="1"/>
-          </p:cNvPicPr>
-          <p:nvPr/>
         </p:nvPicPr>
         <p:blipFill>
           <a:blip r:embed="rId2"/>
@@ -10841,8 +11811,8 @@
         </p:blipFill>
         <p:spPr>
           <a:xfrm>
-            <a:off x="3793910" y="1121384"/>
-            <a:ext cx="7240316" cy="4113147"/>
+            <a:off x="1192870" y="2454545"/>
+            <a:ext cx="10144125" cy="3352800"/>
           </a:xfrm>
           <a:prstGeom prst="rect">
             <a:avLst/>
@@ -10852,7 +11822,7 @@
     </p:spTree>
     <p:extLst>
       <p:ext uri="{BB962C8B-B14F-4D97-AF65-F5344CB8AC3E}">
-        <p14:creationId xmlns:p14="http://schemas.microsoft.com/office/powerpoint/2010/main" val="3088127265"/>
+        <p14:creationId xmlns:p14="http://schemas.microsoft.com/office/powerpoint/2010/main" val="3558501852"/>
       </p:ext>
     </p:extLst>
   </p:cSld>
@@ -10903,7 +11873,7 @@
           <a:p>
             <a:r>
               <a:rPr lang="en-US" dirty="0" smtClean="0"/>
-              <a:t>You should not use it if:</a:t>
+              <a:t>GitHub</a:t>
             </a:r>
             <a:endParaRPr lang="en-US" dirty="0"/>
           </a:p>
@@ -10926,31 +11896,19 @@
           <a:p>
             <a:r>
               <a:rPr lang="en-US" dirty="0" smtClean="0"/>
-              <a:t>You don’t want to reuse code</a:t>
-            </a:r>
-          </a:p>
-          <a:p>
-            <a:r>
-              <a:rPr lang="en-US" dirty="0" smtClean="0"/>
-              <a:t>You prefer to write custom architectures for each application</a:t>
-            </a:r>
-          </a:p>
-          <a:p>
-            <a:r>
-              <a:rPr lang="en-US" dirty="0" smtClean="0"/>
-              <a:t>Like race conditions</a:t>
-            </a:r>
-          </a:p>
-          <a:p>
-            <a:r>
-              <a:rPr lang="en-US" dirty="0" smtClean="0"/>
-              <a:t>Like configuration errors</a:t>
-            </a:r>
-          </a:p>
-          <a:p>
-            <a:r>
-              <a:rPr lang="en-US" dirty="0" smtClean="0"/>
-              <a:t>Need to work more hours in a project</a:t>
+              <a:t>Collaboration</a:t>
+            </a:r>
+          </a:p>
+          <a:p>
+            <a:r>
+              <a:rPr lang="en-US" dirty="0" smtClean="0"/>
+              <a:t>Issue tracking</a:t>
+            </a:r>
+          </a:p>
+          <a:p>
+            <a:r>
+              <a:rPr lang="en-US" dirty="0" smtClean="0"/>
+              <a:t>Open Source Code</a:t>
             </a:r>
           </a:p>
           <a:p>
@@ -10961,10 +11919,34 @@
           </a:p>
         </p:txBody>
       </p:sp>
+      <p:pic>
+        <p:nvPicPr>
+          <p:cNvPr id="5" name="Picture 4"/>
+          <p:cNvPicPr>
+            <a:picLocks noChangeAspect="1"/>
+          </p:cNvPicPr>
+          <p:nvPr/>
+        </p:nvPicPr>
+        <p:blipFill>
+          <a:blip r:embed="rId2"/>
+          <a:stretch>
+            <a:fillRect/>
+          </a:stretch>
+        </p:blipFill>
+        <p:spPr>
+          <a:xfrm>
+            <a:off x="3793910" y="1121384"/>
+            <a:ext cx="7240316" cy="4113147"/>
+          </a:xfrm>
+          <a:prstGeom prst="rect">
+            <a:avLst/>
+          </a:prstGeom>
+        </p:spPr>
+      </p:pic>
     </p:spTree>
     <p:extLst>
       <p:ext uri="{BB962C8B-B14F-4D97-AF65-F5344CB8AC3E}">
-        <p14:creationId xmlns:p14="http://schemas.microsoft.com/office/powerpoint/2010/main" val="3555355618"/>
+        <p14:creationId xmlns:p14="http://schemas.microsoft.com/office/powerpoint/2010/main" val="3088127265"/>
       </p:ext>
     </p:extLst>
   </p:cSld>
@@ -11005,6 +11987,118 @@
             <a:spLocks noGrp="1"/>
           </p:cNvSpPr>
           <p:nvPr>
+            <p:ph type="title"/>
+          </p:nvPr>
+        </p:nvSpPr>
+        <p:spPr/>
+        <p:txBody>
+          <a:bodyPr/>
+          <a:lstStyle/>
+          <a:p>
+            <a:r>
+              <a:rPr lang="en-US" dirty="0" smtClean="0"/>
+              <a:t>You should not use it if:</a:t>
+            </a:r>
+            <a:endParaRPr lang="en-US" dirty="0"/>
+          </a:p>
+        </p:txBody>
+      </p:sp>
+      <p:sp>
+        <p:nvSpPr>
+          <p:cNvPr id="3" name="Content Placeholder 2"/>
+          <p:cNvSpPr>
+            <a:spLocks noGrp="1"/>
+          </p:cNvSpPr>
+          <p:nvPr>
+            <p:ph idx="1"/>
+          </p:nvPr>
+        </p:nvSpPr>
+        <p:spPr/>
+        <p:txBody>
+          <a:bodyPr/>
+          <a:lstStyle/>
+          <a:p>
+            <a:r>
+              <a:rPr lang="en-US" dirty="0" smtClean="0"/>
+              <a:t>You don’t want to reuse code</a:t>
+            </a:r>
+          </a:p>
+          <a:p>
+            <a:r>
+              <a:rPr lang="en-US" dirty="0" smtClean="0"/>
+              <a:t>You prefer to write custom architectures for each application</a:t>
+            </a:r>
+          </a:p>
+          <a:p>
+            <a:r>
+              <a:rPr lang="en-US" dirty="0" smtClean="0"/>
+              <a:t>Like race conditions</a:t>
+            </a:r>
+          </a:p>
+          <a:p>
+            <a:r>
+              <a:rPr lang="en-US" dirty="0" smtClean="0"/>
+              <a:t>Like configuration errors</a:t>
+            </a:r>
+          </a:p>
+          <a:p>
+            <a:r>
+              <a:rPr lang="en-US" dirty="0" smtClean="0"/>
+              <a:t>Need to work more hours in a project</a:t>
+            </a:r>
+          </a:p>
+          <a:p>
+            <a:endParaRPr lang="en-US" dirty="0" smtClean="0"/>
+          </a:p>
+          <a:p>
+            <a:endParaRPr lang="en-US" dirty="0"/>
+          </a:p>
+        </p:txBody>
+      </p:sp>
+    </p:spTree>
+    <p:extLst>
+      <p:ext uri="{BB962C8B-B14F-4D97-AF65-F5344CB8AC3E}">
+        <p14:creationId xmlns:p14="http://schemas.microsoft.com/office/powerpoint/2010/main" val="3555355618"/>
+      </p:ext>
+    </p:extLst>
+  </p:cSld>
+  <p:clrMapOvr>
+    <a:masterClrMapping/>
+  </p:clrMapOvr>
+  <p:timing>
+    <p:tnLst>
+      <p:par>
+        <p:cTn id="1" dur="indefinite" restart="never" nodeType="tmRoot"/>
+      </p:par>
+    </p:tnLst>
+  </p:timing>
+</p:sld>
+</file>
+
+<file path=ppt/slides/slide26.xml><?xml version="1.0" encoding="utf-8"?>
+<p:sld xmlns:a="http://schemas.openxmlformats.org/drawingml/2006/main" xmlns:r="http://schemas.openxmlformats.org/officeDocument/2006/relationships" xmlns:p="http://schemas.openxmlformats.org/presentationml/2006/main">
+  <p:cSld>
+    <p:spTree>
+      <p:nvGrpSpPr>
+        <p:cNvPr id="1" name=""/>
+        <p:cNvGrpSpPr/>
+        <p:nvPr/>
+      </p:nvGrpSpPr>
+      <p:grpSpPr>
+        <a:xfrm>
+          <a:off x="0" y="0"/>
+          <a:ext cx="0" cy="0"/>
+          <a:chOff x="0" y="0"/>
+          <a:chExt cx="0" cy="0"/>
+        </a:xfrm>
+      </p:grpSpPr>
+      <p:sp>
+        <p:nvSpPr>
+          <p:cNvPr id="2" name="Title 1"/>
+          <p:cNvSpPr>
+            <a:spLocks noGrp="1"/>
+          </p:cNvSpPr>
+          <p:nvPr>
             <p:ph type="ctrTitle"/>
           </p:nvPr>
         </p:nvSpPr>
@@ -11060,7 +12154,7 @@
 </p:sld>
 </file>
 
-<file path=ppt/slides/slide26.xml><?xml version="1.0" encoding="utf-8"?>
+<file path=ppt/slides/slide27.xml><?xml version="1.0" encoding="utf-8"?>
 <p:sld xmlns:a="http://schemas.openxmlformats.org/drawingml/2006/main" xmlns:r="http://schemas.openxmlformats.org/officeDocument/2006/relationships" xmlns:p="http://schemas.openxmlformats.org/presentationml/2006/main" show="0">
   <p:cSld>
     <p:spTree>
@@ -11745,10 +12839,9 @@
           <a:lstStyle/>
           <a:p>
             <a:r>
-              <a:rPr lang="en-US" dirty="0" smtClean="0"/>
-              <a:t>Tag Bus Data Framework (Platypus) Overview</a:t>
-            </a:r>
-            <a:endParaRPr lang="en-US" dirty="0"/>
+              <a:rPr lang="en-US" dirty="0"/>
+              <a:t>Distributed Control and Automation Framework (DCAF) Overview</a:t>
+            </a:r>
           </a:p>
         </p:txBody>
       </p:sp>
